--- a/1. 문서/오공 스토리보드.pptx
+++ b/1. 문서/오공 스토리보드.pptx
@@ -124,7 +124,7 @@
   </p:defaultTextStyle>
   <p:extLst>
     <p:ext uri="{EFAFB233-063F-42B5-8137-9DF3F51BA10A}">
-      <p15:sldGuideLst xmlns:p15="http://schemas.microsoft.com/office/powerpoint/2012/main"/>
+      <p15:sldGuideLst xmlns:p15="http://schemas.microsoft.com/office/powerpoint/2012/main" xmlns=""/>
     </p:ext>
   </p:extLst>
 </p:presentation>
@@ -152,7 +152,7 @@
           <p:cNvPr id="2" name="제목 1">
             <a:extLst>
               <a:ext uri="{FF2B5EF4-FFF2-40B4-BE49-F238E27FC236}">
-                <a16:creationId xmlns:a16="http://schemas.microsoft.com/office/drawing/2014/main" id="{9A999C71-6BE8-4CCD-823C-0F57A3BB0DBC}"/>
+                <a16:creationId xmlns:a16="http://schemas.microsoft.com/office/drawing/2014/main" xmlns="" id="{9A999C71-6BE8-4CCD-823C-0F57A3BB0DBC}"/>
               </a:ext>
             </a:extLst>
           </p:cNvPr>
@@ -189,7 +189,7 @@
           <p:cNvPr id="3" name="부제목 2">
             <a:extLst>
               <a:ext uri="{FF2B5EF4-FFF2-40B4-BE49-F238E27FC236}">
-                <a16:creationId xmlns:a16="http://schemas.microsoft.com/office/drawing/2014/main" id="{46950892-1C20-4916-823D-96ECFC10A291}"/>
+                <a16:creationId xmlns:a16="http://schemas.microsoft.com/office/drawing/2014/main" xmlns="" id="{46950892-1C20-4916-823D-96ECFC10A291}"/>
               </a:ext>
             </a:extLst>
           </p:cNvPr>
@@ -259,7 +259,7 @@
           <p:cNvPr id="4" name="날짜 개체 틀 3">
             <a:extLst>
               <a:ext uri="{FF2B5EF4-FFF2-40B4-BE49-F238E27FC236}">
-                <a16:creationId xmlns:a16="http://schemas.microsoft.com/office/drawing/2014/main" id="{C81571C4-836E-425F-9A0C-6FB6553E776B}"/>
+                <a16:creationId xmlns:a16="http://schemas.microsoft.com/office/drawing/2014/main" xmlns="" id="{C81571C4-836E-425F-9A0C-6FB6553E776B}"/>
               </a:ext>
             </a:extLst>
           </p:cNvPr>
@@ -277,7 +277,7 @@
           <a:p>
             <a:fld id="{B1FA103F-A0A0-421B-9106-CBDB7838DD6F}" type="datetimeFigureOut">
               <a:rPr lang="ko-KR" altLang="en-US" smtClean="0"/>
-              <a:t>2019-05-31</a:t>
+              <a:t>2019-06-01</a:t>
             </a:fld>
             <a:endParaRPr lang="ko-KR" altLang="en-US"/>
           </a:p>
@@ -288,7 +288,7 @@
           <p:cNvPr id="5" name="바닥글 개체 틀 4">
             <a:extLst>
               <a:ext uri="{FF2B5EF4-FFF2-40B4-BE49-F238E27FC236}">
-                <a16:creationId xmlns:a16="http://schemas.microsoft.com/office/drawing/2014/main" id="{D05F48BE-EDEC-4E23-ADB1-E523DCF968BE}"/>
+                <a16:creationId xmlns:a16="http://schemas.microsoft.com/office/drawing/2014/main" xmlns="" id="{D05F48BE-EDEC-4E23-ADB1-E523DCF968BE}"/>
               </a:ext>
             </a:extLst>
           </p:cNvPr>
@@ -313,7 +313,7 @@
           <p:cNvPr id="6" name="슬라이드 번호 개체 틀 5">
             <a:extLst>
               <a:ext uri="{FF2B5EF4-FFF2-40B4-BE49-F238E27FC236}">
-                <a16:creationId xmlns:a16="http://schemas.microsoft.com/office/drawing/2014/main" id="{245E4C99-00B7-498D-A932-C03C4184827B}"/>
+                <a16:creationId xmlns:a16="http://schemas.microsoft.com/office/drawing/2014/main" xmlns="" id="{245E4C99-00B7-498D-A932-C03C4184827B}"/>
               </a:ext>
             </a:extLst>
           </p:cNvPr>
@@ -372,7 +372,7 @@
           <p:cNvPr id="2" name="제목 1">
             <a:extLst>
               <a:ext uri="{FF2B5EF4-FFF2-40B4-BE49-F238E27FC236}">
-                <a16:creationId xmlns:a16="http://schemas.microsoft.com/office/drawing/2014/main" id="{A63B4115-6D13-4A7F-8364-46E529643A8A}"/>
+                <a16:creationId xmlns:a16="http://schemas.microsoft.com/office/drawing/2014/main" xmlns="" id="{A63B4115-6D13-4A7F-8364-46E529643A8A}"/>
               </a:ext>
             </a:extLst>
           </p:cNvPr>
@@ -400,7 +400,7 @@
           <p:cNvPr id="3" name="세로 텍스트 개체 틀 2">
             <a:extLst>
               <a:ext uri="{FF2B5EF4-FFF2-40B4-BE49-F238E27FC236}">
-                <a16:creationId xmlns:a16="http://schemas.microsoft.com/office/drawing/2014/main" id="{B81FC950-7636-4032-A7D1-0294EE5FC7D3}"/>
+                <a16:creationId xmlns:a16="http://schemas.microsoft.com/office/drawing/2014/main" xmlns="" id="{B81FC950-7636-4032-A7D1-0294EE5FC7D3}"/>
               </a:ext>
             </a:extLst>
           </p:cNvPr>
@@ -457,7 +457,7 @@
           <p:cNvPr id="4" name="날짜 개체 틀 3">
             <a:extLst>
               <a:ext uri="{FF2B5EF4-FFF2-40B4-BE49-F238E27FC236}">
-                <a16:creationId xmlns:a16="http://schemas.microsoft.com/office/drawing/2014/main" id="{C0A01A5F-10DC-4F96-9354-413C803056E1}"/>
+                <a16:creationId xmlns:a16="http://schemas.microsoft.com/office/drawing/2014/main" xmlns="" id="{C0A01A5F-10DC-4F96-9354-413C803056E1}"/>
               </a:ext>
             </a:extLst>
           </p:cNvPr>
@@ -475,7 +475,7 @@
           <a:p>
             <a:fld id="{B1FA103F-A0A0-421B-9106-CBDB7838DD6F}" type="datetimeFigureOut">
               <a:rPr lang="ko-KR" altLang="en-US" smtClean="0"/>
-              <a:t>2019-05-31</a:t>
+              <a:t>2019-06-01</a:t>
             </a:fld>
             <a:endParaRPr lang="ko-KR" altLang="en-US"/>
           </a:p>
@@ -486,7 +486,7 @@
           <p:cNvPr id="5" name="바닥글 개체 틀 4">
             <a:extLst>
               <a:ext uri="{FF2B5EF4-FFF2-40B4-BE49-F238E27FC236}">
-                <a16:creationId xmlns:a16="http://schemas.microsoft.com/office/drawing/2014/main" id="{9A5F7B93-43A6-43AE-9C52-459F4E12134E}"/>
+                <a16:creationId xmlns:a16="http://schemas.microsoft.com/office/drawing/2014/main" xmlns="" id="{9A5F7B93-43A6-43AE-9C52-459F4E12134E}"/>
               </a:ext>
             </a:extLst>
           </p:cNvPr>
@@ -511,7 +511,7 @@
           <p:cNvPr id="6" name="슬라이드 번호 개체 틀 5">
             <a:extLst>
               <a:ext uri="{FF2B5EF4-FFF2-40B4-BE49-F238E27FC236}">
-                <a16:creationId xmlns:a16="http://schemas.microsoft.com/office/drawing/2014/main" id="{31694D7A-EC40-4506-AB25-11696086C9DA}"/>
+                <a16:creationId xmlns:a16="http://schemas.microsoft.com/office/drawing/2014/main" xmlns="" id="{31694D7A-EC40-4506-AB25-11696086C9DA}"/>
               </a:ext>
             </a:extLst>
           </p:cNvPr>
@@ -570,7 +570,7 @@
           <p:cNvPr id="2" name="세로 제목 1">
             <a:extLst>
               <a:ext uri="{FF2B5EF4-FFF2-40B4-BE49-F238E27FC236}">
-                <a16:creationId xmlns:a16="http://schemas.microsoft.com/office/drawing/2014/main" id="{F3ECE420-5BC8-4FB0-A7C5-60BF580573A9}"/>
+                <a16:creationId xmlns:a16="http://schemas.microsoft.com/office/drawing/2014/main" xmlns="" id="{F3ECE420-5BC8-4FB0-A7C5-60BF580573A9}"/>
               </a:ext>
             </a:extLst>
           </p:cNvPr>
@@ -603,7 +603,7 @@
           <p:cNvPr id="3" name="세로 텍스트 개체 틀 2">
             <a:extLst>
               <a:ext uri="{FF2B5EF4-FFF2-40B4-BE49-F238E27FC236}">
-                <a16:creationId xmlns:a16="http://schemas.microsoft.com/office/drawing/2014/main" id="{18909616-D20C-44BD-8D5F-3727A954C897}"/>
+                <a16:creationId xmlns:a16="http://schemas.microsoft.com/office/drawing/2014/main" xmlns="" id="{18909616-D20C-44BD-8D5F-3727A954C897}"/>
               </a:ext>
             </a:extLst>
           </p:cNvPr>
@@ -665,7 +665,7 @@
           <p:cNvPr id="4" name="날짜 개체 틀 3">
             <a:extLst>
               <a:ext uri="{FF2B5EF4-FFF2-40B4-BE49-F238E27FC236}">
-                <a16:creationId xmlns:a16="http://schemas.microsoft.com/office/drawing/2014/main" id="{656E1C60-9007-4495-B96E-711652AF0F4B}"/>
+                <a16:creationId xmlns:a16="http://schemas.microsoft.com/office/drawing/2014/main" xmlns="" id="{656E1C60-9007-4495-B96E-711652AF0F4B}"/>
               </a:ext>
             </a:extLst>
           </p:cNvPr>
@@ -683,7 +683,7 @@
           <a:p>
             <a:fld id="{B1FA103F-A0A0-421B-9106-CBDB7838DD6F}" type="datetimeFigureOut">
               <a:rPr lang="ko-KR" altLang="en-US" smtClean="0"/>
-              <a:t>2019-05-31</a:t>
+              <a:t>2019-06-01</a:t>
             </a:fld>
             <a:endParaRPr lang="ko-KR" altLang="en-US"/>
           </a:p>
@@ -694,7 +694,7 @@
           <p:cNvPr id="5" name="바닥글 개체 틀 4">
             <a:extLst>
               <a:ext uri="{FF2B5EF4-FFF2-40B4-BE49-F238E27FC236}">
-                <a16:creationId xmlns:a16="http://schemas.microsoft.com/office/drawing/2014/main" id="{06F7E3FE-A6A6-4493-AFFA-86BCC45D6B61}"/>
+                <a16:creationId xmlns:a16="http://schemas.microsoft.com/office/drawing/2014/main" xmlns="" id="{06F7E3FE-A6A6-4493-AFFA-86BCC45D6B61}"/>
               </a:ext>
             </a:extLst>
           </p:cNvPr>
@@ -719,7 +719,7 @@
           <p:cNvPr id="6" name="슬라이드 번호 개체 틀 5">
             <a:extLst>
               <a:ext uri="{FF2B5EF4-FFF2-40B4-BE49-F238E27FC236}">
-                <a16:creationId xmlns:a16="http://schemas.microsoft.com/office/drawing/2014/main" id="{914969B7-0EBD-4FF5-A175-986B1E3490EE}"/>
+                <a16:creationId xmlns:a16="http://schemas.microsoft.com/office/drawing/2014/main" xmlns="" id="{914969B7-0EBD-4FF5-A175-986B1E3490EE}"/>
               </a:ext>
             </a:extLst>
           </p:cNvPr>
@@ -778,7 +778,7 @@
           <p:cNvPr id="2" name="제목 1">
             <a:extLst>
               <a:ext uri="{FF2B5EF4-FFF2-40B4-BE49-F238E27FC236}">
-                <a16:creationId xmlns:a16="http://schemas.microsoft.com/office/drawing/2014/main" id="{F07A7C3C-9B27-497C-8236-3CA3080CAECF}"/>
+                <a16:creationId xmlns:a16="http://schemas.microsoft.com/office/drawing/2014/main" xmlns="" id="{F07A7C3C-9B27-497C-8236-3CA3080CAECF}"/>
               </a:ext>
             </a:extLst>
           </p:cNvPr>
@@ -806,7 +806,7 @@
           <p:cNvPr id="3" name="내용 개체 틀 2">
             <a:extLst>
               <a:ext uri="{FF2B5EF4-FFF2-40B4-BE49-F238E27FC236}">
-                <a16:creationId xmlns:a16="http://schemas.microsoft.com/office/drawing/2014/main" id="{4E615588-7A24-42CB-9D15-BBA84F6CE901}"/>
+                <a16:creationId xmlns:a16="http://schemas.microsoft.com/office/drawing/2014/main" xmlns="" id="{4E615588-7A24-42CB-9D15-BBA84F6CE901}"/>
               </a:ext>
             </a:extLst>
           </p:cNvPr>
@@ -863,7 +863,7 @@
           <p:cNvPr id="4" name="날짜 개체 틀 3">
             <a:extLst>
               <a:ext uri="{FF2B5EF4-FFF2-40B4-BE49-F238E27FC236}">
-                <a16:creationId xmlns:a16="http://schemas.microsoft.com/office/drawing/2014/main" id="{53610D8E-818A-4AB3-ABB1-DFE91D680C42}"/>
+                <a16:creationId xmlns:a16="http://schemas.microsoft.com/office/drawing/2014/main" xmlns="" id="{53610D8E-818A-4AB3-ABB1-DFE91D680C42}"/>
               </a:ext>
             </a:extLst>
           </p:cNvPr>
@@ -881,7 +881,7 @@
           <a:p>
             <a:fld id="{B1FA103F-A0A0-421B-9106-CBDB7838DD6F}" type="datetimeFigureOut">
               <a:rPr lang="ko-KR" altLang="en-US" smtClean="0"/>
-              <a:t>2019-05-31</a:t>
+              <a:t>2019-06-01</a:t>
             </a:fld>
             <a:endParaRPr lang="ko-KR" altLang="en-US"/>
           </a:p>
@@ -892,7 +892,7 @@
           <p:cNvPr id="5" name="바닥글 개체 틀 4">
             <a:extLst>
               <a:ext uri="{FF2B5EF4-FFF2-40B4-BE49-F238E27FC236}">
-                <a16:creationId xmlns:a16="http://schemas.microsoft.com/office/drawing/2014/main" id="{0638C379-C811-4DE0-9427-1B6B588FDE5A}"/>
+                <a16:creationId xmlns:a16="http://schemas.microsoft.com/office/drawing/2014/main" xmlns="" id="{0638C379-C811-4DE0-9427-1B6B588FDE5A}"/>
               </a:ext>
             </a:extLst>
           </p:cNvPr>
@@ -917,7 +917,7 @@
           <p:cNvPr id="6" name="슬라이드 번호 개체 틀 5">
             <a:extLst>
               <a:ext uri="{FF2B5EF4-FFF2-40B4-BE49-F238E27FC236}">
-                <a16:creationId xmlns:a16="http://schemas.microsoft.com/office/drawing/2014/main" id="{5C2EB46E-0105-4860-9DF9-903115C86078}"/>
+                <a16:creationId xmlns:a16="http://schemas.microsoft.com/office/drawing/2014/main" xmlns="" id="{5C2EB46E-0105-4860-9DF9-903115C86078}"/>
               </a:ext>
             </a:extLst>
           </p:cNvPr>
@@ -976,7 +976,7 @@
           <p:cNvPr id="2" name="제목 1">
             <a:extLst>
               <a:ext uri="{FF2B5EF4-FFF2-40B4-BE49-F238E27FC236}">
-                <a16:creationId xmlns:a16="http://schemas.microsoft.com/office/drawing/2014/main" id="{3182F9B8-47B7-444B-A969-2159D59927C5}"/>
+                <a16:creationId xmlns:a16="http://schemas.microsoft.com/office/drawing/2014/main" xmlns="" id="{3182F9B8-47B7-444B-A969-2159D59927C5}"/>
               </a:ext>
             </a:extLst>
           </p:cNvPr>
@@ -1013,7 +1013,7 @@
           <p:cNvPr id="3" name="텍스트 개체 틀 2">
             <a:extLst>
               <a:ext uri="{FF2B5EF4-FFF2-40B4-BE49-F238E27FC236}">
-                <a16:creationId xmlns:a16="http://schemas.microsoft.com/office/drawing/2014/main" id="{0EF776FB-D720-42AC-96B0-3E41286BEA99}"/>
+                <a16:creationId xmlns:a16="http://schemas.microsoft.com/office/drawing/2014/main" xmlns="" id="{0EF776FB-D720-42AC-96B0-3E41286BEA99}"/>
               </a:ext>
             </a:extLst>
           </p:cNvPr>
@@ -1138,7 +1138,7 @@
           <p:cNvPr id="4" name="날짜 개체 틀 3">
             <a:extLst>
               <a:ext uri="{FF2B5EF4-FFF2-40B4-BE49-F238E27FC236}">
-                <a16:creationId xmlns:a16="http://schemas.microsoft.com/office/drawing/2014/main" id="{2B48B04C-9156-4BCB-A82E-54CF643A92E5}"/>
+                <a16:creationId xmlns:a16="http://schemas.microsoft.com/office/drawing/2014/main" xmlns="" id="{2B48B04C-9156-4BCB-A82E-54CF643A92E5}"/>
               </a:ext>
             </a:extLst>
           </p:cNvPr>
@@ -1156,7 +1156,7 @@
           <a:p>
             <a:fld id="{B1FA103F-A0A0-421B-9106-CBDB7838DD6F}" type="datetimeFigureOut">
               <a:rPr lang="ko-KR" altLang="en-US" smtClean="0"/>
-              <a:t>2019-05-31</a:t>
+              <a:t>2019-06-01</a:t>
             </a:fld>
             <a:endParaRPr lang="ko-KR" altLang="en-US"/>
           </a:p>
@@ -1167,7 +1167,7 @@
           <p:cNvPr id="5" name="바닥글 개체 틀 4">
             <a:extLst>
               <a:ext uri="{FF2B5EF4-FFF2-40B4-BE49-F238E27FC236}">
-                <a16:creationId xmlns:a16="http://schemas.microsoft.com/office/drawing/2014/main" id="{894B39F3-038B-41C0-A1D5-5C894D3DB633}"/>
+                <a16:creationId xmlns:a16="http://schemas.microsoft.com/office/drawing/2014/main" xmlns="" id="{894B39F3-038B-41C0-A1D5-5C894D3DB633}"/>
               </a:ext>
             </a:extLst>
           </p:cNvPr>
@@ -1192,7 +1192,7 @@
           <p:cNvPr id="6" name="슬라이드 번호 개체 틀 5">
             <a:extLst>
               <a:ext uri="{FF2B5EF4-FFF2-40B4-BE49-F238E27FC236}">
-                <a16:creationId xmlns:a16="http://schemas.microsoft.com/office/drawing/2014/main" id="{B7291F06-3431-476E-91B6-0B94CE7BF781}"/>
+                <a16:creationId xmlns:a16="http://schemas.microsoft.com/office/drawing/2014/main" xmlns="" id="{B7291F06-3431-476E-91B6-0B94CE7BF781}"/>
               </a:ext>
             </a:extLst>
           </p:cNvPr>
@@ -1251,7 +1251,7 @@
           <p:cNvPr id="2" name="제목 1">
             <a:extLst>
               <a:ext uri="{FF2B5EF4-FFF2-40B4-BE49-F238E27FC236}">
-                <a16:creationId xmlns:a16="http://schemas.microsoft.com/office/drawing/2014/main" id="{3054EDD6-28C3-4A1C-9020-C2F3E537174A}"/>
+                <a16:creationId xmlns:a16="http://schemas.microsoft.com/office/drawing/2014/main" xmlns="" id="{3054EDD6-28C3-4A1C-9020-C2F3E537174A}"/>
               </a:ext>
             </a:extLst>
           </p:cNvPr>
@@ -1279,7 +1279,7 @@
           <p:cNvPr id="3" name="내용 개체 틀 2">
             <a:extLst>
               <a:ext uri="{FF2B5EF4-FFF2-40B4-BE49-F238E27FC236}">
-                <a16:creationId xmlns:a16="http://schemas.microsoft.com/office/drawing/2014/main" id="{9929AF40-8176-4D01-89A0-5C6761A71D9B}"/>
+                <a16:creationId xmlns:a16="http://schemas.microsoft.com/office/drawing/2014/main" xmlns="" id="{9929AF40-8176-4D01-89A0-5C6761A71D9B}"/>
               </a:ext>
             </a:extLst>
           </p:cNvPr>
@@ -1341,7 +1341,7 @@
           <p:cNvPr id="4" name="내용 개체 틀 3">
             <a:extLst>
               <a:ext uri="{FF2B5EF4-FFF2-40B4-BE49-F238E27FC236}">
-                <a16:creationId xmlns:a16="http://schemas.microsoft.com/office/drawing/2014/main" id="{AE22125F-55D0-4B41-96B6-FA628A23CB8F}"/>
+                <a16:creationId xmlns:a16="http://schemas.microsoft.com/office/drawing/2014/main" xmlns="" id="{AE22125F-55D0-4B41-96B6-FA628A23CB8F}"/>
               </a:ext>
             </a:extLst>
           </p:cNvPr>
@@ -1403,7 +1403,7 @@
           <p:cNvPr id="5" name="날짜 개체 틀 4">
             <a:extLst>
               <a:ext uri="{FF2B5EF4-FFF2-40B4-BE49-F238E27FC236}">
-                <a16:creationId xmlns:a16="http://schemas.microsoft.com/office/drawing/2014/main" id="{DC9654FF-C2C4-4570-A3D3-4529963B4A09}"/>
+                <a16:creationId xmlns:a16="http://schemas.microsoft.com/office/drawing/2014/main" xmlns="" id="{DC9654FF-C2C4-4570-A3D3-4529963B4A09}"/>
               </a:ext>
             </a:extLst>
           </p:cNvPr>
@@ -1421,7 +1421,7 @@
           <a:p>
             <a:fld id="{B1FA103F-A0A0-421B-9106-CBDB7838DD6F}" type="datetimeFigureOut">
               <a:rPr lang="ko-KR" altLang="en-US" smtClean="0"/>
-              <a:t>2019-05-31</a:t>
+              <a:t>2019-06-01</a:t>
             </a:fld>
             <a:endParaRPr lang="ko-KR" altLang="en-US"/>
           </a:p>
@@ -1432,7 +1432,7 @@
           <p:cNvPr id="6" name="바닥글 개체 틀 5">
             <a:extLst>
               <a:ext uri="{FF2B5EF4-FFF2-40B4-BE49-F238E27FC236}">
-                <a16:creationId xmlns:a16="http://schemas.microsoft.com/office/drawing/2014/main" id="{4149EDC7-771D-412E-9AD4-A4D4FEACC8D6}"/>
+                <a16:creationId xmlns:a16="http://schemas.microsoft.com/office/drawing/2014/main" xmlns="" id="{4149EDC7-771D-412E-9AD4-A4D4FEACC8D6}"/>
               </a:ext>
             </a:extLst>
           </p:cNvPr>
@@ -1457,7 +1457,7 @@
           <p:cNvPr id="7" name="슬라이드 번호 개체 틀 6">
             <a:extLst>
               <a:ext uri="{FF2B5EF4-FFF2-40B4-BE49-F238E27FC236}">
-                <a16:creationId xmlns:a16="http://schemas.microsoft.com/office/drawing/2014/main" id="{811ECF4D-970B-46AF-BE41-55C9B91B9078}"/>
+                <a16:creationId xmlns:a16="http://schemas.microsoft.com/office/drawing/2014/main" xmlns="" id="{811ECF4D-970B-46AF-BE41-55C9B91B9078}"/>
               </a:ext>
             </a:extLst>
           </p:cNvPr>
@@ -1516,7 +1516,7 @@
           <p:cNvPr id="2" name="제목 1">
             <a:extLst>
               <a:ext uri="{FF2B5EF4-FFF2-40B4-BE49-F238E27FC236}">
-                <a16:creationId xmlns:a16="http://schemas.microsoft.com/office/drawing/2014/main" id="{4E148D58-D8D0-48F4-AC3E-70A0BA1EAE3E}"/>
+                <a16:creationId xmlns:a16="http://schemas.microsoft.com/office/drawing/2014/main" xmlns="" id="{4E148D58-D8D0-48F4-AC3E-70A0BA1EAE3E}"/>
               </a:ext>
             </a:extLst>
           </p:cNvPr>
@@ -1549,7 +1549,7 @@
           <p:cNvPr id="3" name="텍스트 개체 틀 2">
             <a:extLst>
               <a:ext uri="{FF2B5EF4-FFF2-40B4-BE49-F238E27FC236}">
-                <a16:creationId xmlns:a16="http://schemas.microsoft.com/office/drawing/2014/main" id="{A63F113B-BEAD-4ED2-B880-BCF3F78E0939}"/>
+                <a16:creationId xmlns:a16="http://schemas.microsoft.com/office/drawing/2014/main" xmlns="" id="{A63F113B-BEAD-4ED2-B880-BCF3F78E0939}"/>
               </a:ext>
             </a:extLst>
           </p:cNvPr>
@@ -1620,7 +1620,7 @@
           <p:cNvPr id="4" name="내용 개체 틀 3">
             <a:extLst>
               <a:ext uri="{FF2B5EF4-FFF2-40B4-BE49-F238E27FC236}">
-                <a16:creationId xmlns:a16="http://schemas.microsoft.com/office/drawing/2014/main" id="{237087E5-A5FF-4986-B393-0AAFFD70469B}"/>
+                <a16:creationId xmlns:a16="http://schemas.microsoft.com/office/drawing/2014/main" xmlns="" id="{237087E5-A5FF-4986-B393-0AAFFD70469B}"/>
               </a:ext>
             </a:extLst>
           </p:cNvPr>
@@ -1682,7 +1682,7 @@
           <p:cNvPr id="5" name="텍스트 개체 틀 4">
             <a:extLst>
               <a:ext uri="{FF2B5EF4-FFF2-40B4-BE49-F238E27FC236}">
-                <a16:creationId xmlns:a16="http://schemas.microsoft.com/office/drawing/2014/main" id="{DC869A49-04FB-42E2-8CD2-1D7E276FB7FF}"/>
+                <a16:creationId xmlns:a16="http://schemas.microsoft.com/office/drawing/2014/main" xmlns="" id="{DC869A49-04FB-42E2-8CD2-1D7E276FB7FF}"/>
               </a:ext>
             </a:extLst>
           </p:cNvPr>
@@ -1753,7 +1753,7 @@
           <p:cNvPr id="6" name="내용 개체 틀 5">
             <a:extLst>
               <a:ext uri="{FF2B5EF4-FFF2-40B4-BE49-F238E27FC236}">
-                <a16:creationId xmlns:a16="http://schemas.microsoft.com/office/drawing/2014/main" id="{1550E8B6-B7DF-4048-8CC2-7833F06B5EDA}"/>
+                <a16:creationId xmlns:a16="http://schemas.microsoft.com/office/drawing/2014/main" xmlns="" id="{1550E8B6-B7DF-4048-8CC2-7833F06B5EDA}"/>
               </a:ext>
             </a:extLst>
           </p:cNvPr>
@@ -1815,7 +1815,7 @@
           <p:cNvPr id="7" name="날짜 개체 틀 6">
             <a:extLst>
               <a:ext uri="{FF2B5EF4-FFF2-40B4-BE49-F238E27FC236}">
-                <a16:creationId xmlns:a16="http://schemas.microsoft.com/office/drawing/2014/main" id="{D76CB94E-CCB5-498A-9258-D71DD575C2BA}"/>
+                <a16:creationId xmlns:a16="http://schemas.microsoft.com/office/drawing/2014/main" xmlns="" id="{D76CB94E-CCB5-498A-9258-D71DD575C2BA}"/>
               </a:ext>
             </a:extLst>
           </p:cNvPr>
@@ -1833,7 +1833,7 @@
           <a:p>
             <a:fld id="{B1FA103F-A0A0-421B-9106-CBDB7838DD6F}" type="datetimeFigureOut">
               <a:rPr lang="ko-KR" altLang="en-US" smtClean="0"/>
-              <a:t>2019-05-31</a:t>
+              <a:t>2019-06-01</a:t>
             </a:fld>
             <a:endParaRPr lang="ko-KR" altLang="en-US"/>
           </a:p>
@@ -1844,7 +1844,7 @@
           <p:cNvPr id="8" name="바닥글 개체 틀 7">
             <a:extLst>
               <a:ext uri="{FF2B5EF4-FFF2-40B4-BE49-F238E27FC236}">
-                <a16:creationId xmlns:a16="http://schemas.microsoft.com/office/drawing/2014/main" id="{9E991AD9-1014-4024-80B8-CF8C5603D9E5}"/>
+                <a16:creationId xmlns:a16="http://schemas.microsoft.com/office/drawing/2014/main" xmlns="" id="{9E991AD9-1014-4024-80B8-CF8C5603D9E5}"/>
               </a:ext>
             </a:extLst>
           </p:cNvPr>
@@ -1869,7 +1869,7 @@
           <p:cNvPr id="9" name="슬라이드 번호 개체 틀 8">
             <a:extLst>
               <a:ext uri="{FF2B5EF4-FFF2-40B4-BE49-F238E27FC236}">
-                <a16:creationId xmlns:a16="http://schemas.microsoft.com/office/drawing/2014/main" id="{F016D9AB-01AA-4FD3-A0CA-4BE447FBAE73}"/>
+                <a16:creationId xmlns:a16="http://schemas.microsoft.com/office/drawing/2014/main" xmlns="" id="{F016D9AB-01AA-4FD3-A0CA-4BE447FBAE73}"/>
               </a:ext>
             </a:extLst>
           </p:cNvPr>
@@ -1928,7 +1928,7 @@
           <p:cNvPr id="2" name="제목 1">
             <a:extLst>
               <a:ext uri="{FF2B5EF4-FFF2-40B4-BE49-F238E27FC236}">
-                <a16:creationId xmlns:a16="http://schemas.microsoft.com/office/drawing/2014/main" id="{87E7BD8D-0D34-43C6-8D88-F19C47502996}"/>
+                <a16:creationId xmlns:a16="http://schemas.microsoft.com/office/drawing/2014/main" xmlns="" id="{87E7BD8D-0D34-43C6-8D88-F19C47502996}"/>
               </a:ext>
             </a:extLst>
           </p:cNvPr>
@@ -1956,7 +1956,7 @@
           <p:cNvPr id="3" name="날짜 개체 틀 2">
             <a:extLst>
               <a:ext uri="{FF2B5EF4-FFF2-40B4-BE49-F238E27FC236}">
-                <a16:creationId xmlns:a16="http://schemas.microsoft.com/office/drawing/2014/main" id="{8B1DC167-090B-4EBD-8612-76F89524F756}"/>
+                <a16:creationId xmlns:a16="http://schemas.microsoft.com/office/drawing/2014/main" xmlns="" id="{8B1DC167-090B-4EBD-8612-76F89524F756}"/>
               </a:ext>
             </a:extLst>
           </p:cNvPr>
@@ -1974,7 +1974,7 @@
           <a:p>
             <a:fld id="{B1FA103F-A0A0-421B-9106-CBDB7838DD6F}" type="datetimeFigureOut">
               <a:rPr lang="ko-KR" altLang="en-US" smtClean="0"/>
-              <a:t>2019-05-31</a:t>
+              <a:t>2019-06-01</a:t>
             </a:fld>
             <a:endParaRPr lang="ko-KR" altLang="en-US"/>
           </a:p>
@@ -1985,7 +1985,7 @@
           <p:cNvPr id="4" name="바닥글 개체 틀 3">
             <a:extLst>
               <a:ext uri="{FF2B5EF4-FFF2-40B4-BE49-F238E27FC236}">
-                <a16:creationId xmlns:a16="http://schemas.microsoft.com/office/drawing/2014/main" id="{03B8DBC0-A4B5-430F-98DD-EA1B890BEC8B}"/>
+                <a16:creationId xmlns:a16="http://schemas.microsoft.com/office/drawing/2014/main" xmlns="" id="{03B8DBC0-A4B5-430F-98DD-EA1B890BEC8B}"/>
               </a:ext>
             </a:extLst>
           </p:cNvPr>
@@ -2010,7 +2010,7 @@
           <p:cNvPr id="5" name="슬라이드 번호 개체 틀 4">
             <a:extLst>
               <a:ext uri="{FF2B5EF4-FFF2-40B4-BE49-F238E27FC236}">
-                <a16:creationId xmlns:a16="http://schemas.microsoft.com/office/drawing/2014/main" id="{59393891-BBF9-4267-8FFA-D5C266599967}"/>
+                <a16:creationId xmlns:a16="http://schemas.microsoft.com/office/drawing/2014/main" xmlns="" id="{59393891-BBF9-4267-8FFA-D5C266599967}"/>
               </a:ext>
             </a:extLst>
           </p:cNvPr>
@@ -2069,7 +2069,7 @@
           <p:cNvPr id="2" name="날짜 개체 틀 1">
             <a:extLst>
               <a:ext uri="{FF2B5EF4-FFF2-40B4-BE49-F238E27FC236}">
-                <a16:creationId xmlns:a16="http://schemas.microsoft.com/office/drawing/2014/main" id="{ECD14B5C-8CF7-4DCA-9CDF-DCC953D79632}"/>
+                <a16:creationId xmlns:a16="http://schemas.microsoft.com/office/drawing/2014/main" xmlns="" id="{ECD14B5C-8CF7-4DCA-9CDF-DCC953D79632}"/>
               </a:ext>
             </a:extLst>
           </p:cNvPr>
@@ -2087,7 +2087,7 @@
           <a:p>
             <a:fld id="{B1FA103F-A0A0-421B-9106-CBDB7838DD6F}" type="datetimeFigureOut">
               <a:rPr lang="ko-KR" altLang="en-US" smtClean="0"/>
-              <a:t>2019-05-31</a:t>
+              <a:t>2019-06-01</a:t>
             </a:fld>
             <a:endParaRPr lang="ko-KR" altLang="en-US"/>
           </a:p>
@@ -2098,7 +2098,7 @@
           <p:cNvPr id="3" name="바닥글 개체 틀 2">
             <a:extLst>
               <a:ext uri="{FF2B5EF4-FFF2-40B4-BE49-F238E27FC236}">
-                <a16:creationId xmlns:a16="http://schemas.microsoft.com/office/drawing/2014/main" id="{29A0F06E-15F0-4A4C-9AA2-DD782594A2E4}"/>
+                <a16:creationId xmlns:a16="http://schemas.microsoft.com/office/drawing/2014/main" xmlns="" id="{29A0F06E-15F0-4A4C-9AA2-DD782594A2E4}"/>
               </a:ext>
             </a:extLst>
           </p:cNvPr>
@@ -2123,7 +2123,7 @@
           <p:cNvPr id="4" name="슬라이드 번호 개체 틀 3">
             <a:extLst>
               <a:ext uri="{FF2B5EF4-FFF2-40B4-BE49-F238E27FC236}">
-                <a16:creationId xmlns:a16="http://schemas.microsoft.com/office/drawing/2014/main" id="{AFC28E3F-C997-4F4A-9DCC-085B72C9306E}"/>
+                <a16:creationId xmlns:a16="http://schemas.microsoft.com/office/drawing/2014/main" xmlns="" id="{AFC28E3F-C997-4F4A-9DCC-085B72C9306E}"/>
               </a:ext>
             </a:extLst>
           </p:cNvPr>
@@ -2182,7 +2182,7 @@
           <p:cNvPr id="2" name="제목 1">
             <a:extLst>
               <a:ext uri="{FF2B5EF4-FFF2-40B4-BE49-F238E27FC236}">
-                <a16:creationId xmlns:a16="http://schemas.microsoft.com/office/drawing/2014/main" id="{86B63280-A2CB-4F19-AE5E-534C2C127782}"/>
+                <a16:creationId xmlns:a16="http://schemas.microsoft.com/office/drawing/2014/main" xmlns="" id="{86B63280-A2CB-4F19-AE5E-534C2C127782}"/>
               </a:ext>
             </a:extLst>
           </p:cNvPr>
@@ -2219,7 +2219,7 @@
           <p:cNvPr id="3" name="내용 개체 틀 2">
             <a:extLst>
               <a:ext uri="{FF2B5EF4-FFF2-40B4-BE49-F238E27FC236}">
-                <a16:creationId xmlns:a16="http://schemas.microsoft.com/office/drawing/2014/main" id="{18747BC0-9C35-45B5-9CD3-EB7EB04EAA61}"/>
+                <a16:creationId xmlns:a16="http://schemas.microsoft.com/office/drawing/2014/main" xmlns="" id="{18747BC0-9C35-45B5-9CD3-EB7EB04EAA61}"/>
               </a:ext>
             </a:extLst>
           </p:cNvPr>
@@ -2309,7 +2309,7 @@
           <p:cNvPr id="4" name="텍스트 개체 틀 3">
             <a:extLst>
               <a:ext uri="{FF2B5EF4-FFF2-40B4-BE49-F238E27FC236}">
-                <a16:creationId xmlns:a16="http://schemas.microsoft.com/office/drawing/2014/main" id="{B0B847DF-A4AD-4F55-AB96-B9012E71CC0E}"/>
+                <a16:creationId xmlns:a16="http://schemas.microsoft.com/office/drawing/2014/main" xmlns="" id="{B0B847DF-A4AD-4F55-AB96-B9012E71CC0E}"/>
               </a:ext>
             </a:extLst>
           </p:cNvPr>
@@ -2380,7 +2380,7 @@
           <p:cNvPr id="5" name="날짜 개체 틀 4">
             <a:extLst>
               <a:ext uri="{FF2B5EF4-FFF2-40B4-BE49-F238E27FC236}">
-                <a16:creationId xmlns:a16="http://schemas.microsoft.com/office/drawing/2014/main" id="{1D56C8E7-1BD1-4525-837D-E5D14A00DB59}"/>
+                <a16:creationId xmlns:a16="http://schemas.microsoft.com/office/drawing/2014/main" xmlns="" id="{1D56C8E7-1BD1-4525-837D-E5D14A00DB59}"/>
               </a:ext>
             </a:extLst>
           </p:cNvPr>
@@ -2398,7 +2398,7 @@
           <a:p>
             <a:fld id="{B1FA103F-A0A0-421B-9106-CBDB7838DD6F}" type="datetimeFigureOut">
               <a:rPr lang="ko-KR" altLang="en-US" smtClean="0"/>
-              <a:t>2019-05-31</a:t>
+              <a:t>2019-06-01</a:t>
             </a:fld>
             <a:endParaRPr lang="ko-KR" altLang="en-US"/>
           </a:p>
@@ -2409,7 +2409,7 @@
           <p:cNvPr id="6" name="바닥글 개체 틀 5">
             <a:extLst>
               <a:ext uri="{FF2B5EF4-FFF2-40B4-BE49-F238E27FC236}">
-                <a16:creationId xmlns:a16="http://schemas.microsoft.com/office/drawing/2014/main" id="{92F32756-C0CE-42EF-A624-2B0D6E8A0F0B}"/>
+                <a16:creationId xmlns:a16="http://schemas.microsoft.com/office/drawing/2014/main" xmlns="" id="{92F32756-C0CE-42EF-A624-2B0D6E8A0F0B}"/>
               </a:ext>
             </a:extLst>
           </p:cNvPr>
@@ -2434,7 +2434,7 @@
           <p:cNvPr id="7" name="슬라이드 번호 개체 틀 6">
             <a:extLst>
               <a:ext uri="{FF2B5EF4-FFF2-40B4-BE49-F238E27FC236}">
-                <a16:creationId xmlns:a16="http://schemas.microsoft.com/office/drawing/2014/main" id="{7B92C137-1C0D-4A1C-8F1C-4B88701A49DD}"/>
+                <a16:creationId xmlns:a16="http://schemas.microsoft.com/office/drawing/2014/main" xmlns="" id="{7B92C137-1C0D-4A1C-8F1C-4B88701A49DD}"/>
               </a:ext>
             </a:extLst>
           </p:cNvPr>
@@ -2493,7 +2493,7 @@
           <p:cNvPr id="2" name="제목 1">
             <a:extLst>
               <a:ext uri="{FF2B5EF4-FFF2-40B4-BE49-F238E27FC236}">
-                <a16:creationId xmlns:a16="http://schemas.microsoft.com/office/drawing/2014/main" id="{65D98CB5-754A-42A8-9657-8879C775F07F}"/>
+                <a16:creationId xmlns:a16="http://schemas.microsoft.com/office/drawing/2014/main" xmlns="" id="{65D98CB5-754A-42A8-9657-8879C775F07F}"/>
               </a:ext>
             </a:extLst>
           </p:cNvPr>
@@ -2530,7 +2530,7 @@
           <p:cNvPr id="3" name="그림 개체 틀 2">
             <a:extLst>
               <a:ext uri="{FF2B5EF4-FFF2-40B4-BE49-F238E27FC236}">
-                <a16:creationId xmlns:a16="http://schemas.microsoft.com/office/drawing/2014/main" id="{37BB1054-7B35-4E85-9F08-9E12A3A69F82}"/>
+                <a16:creationId xmlns:a16="http://schemas.microsoft.com/office/drawing/2014/main" xmlns="" id="{37BB1054-7B35-4E85-9F08-9E12A3A69F82}"/>
               </a:ext>
             </a:extLst>
           </p:cNvPr>
@@ -2597,7 +2597,7 @@
           <p:cNvPr id="4" name="텍스트 개체 틀 3">
             <a:extLst>
               <a:ext uri="{FF2B5EF4-FFF2-40B4-BE49-F238E27FC236}">
-                <a16:creationId xmlns:a16="http://schemas.microsoft.com/office/drawing/2014/main" id="{1EC0D105-5EDE-4017-AB28-431765AE1C36}"/>
+                <a16:creationId xmlns:a16="http://schemas.microsoft.com/office/drawing/2014/main" xmlns="" id="{1EC0D105-5EDE-4017-AB28-431765AE1C36}"/>
               </a:ext>
             </a:extLst>
           </p:cNvPr>
@@ -2668,7 +2668,7 @@
           <p:cNvPr id="5" name="날짜 개체 틀 4">
             <a:extLst>
               <a:ext uri="{FF2B5EF4-FFF2-40B4-BE49-F238E27FC236}">
-                <a16:creationId xmlns:a16="http://schemas.microsoft.com/office/drawing/2014/main" id="{18D0D2DE-D5AB-4CD1-B72A-8526A010F67F}"/>
+                <a16:creationId xmlns:a16="http://schemas.microsoft.com/office/drawing/2014/main" xmlns="" id="{18D0D2DE-D5AB-4CD1-B72A-8526A010F67F}"/>
               </a:ext>
             </a:extLst>
           </p:cNvPr>
@@ -2686,7 +2686,7 @@
           <a:p>
             <a:fld id="{B1FA103F-A0A0-421B-9106-CBDB7838DD6F}" type="datetimeFigureOut">
               <a:rPr lang="ko-KR" altLang="en-US" smtClean="0"/>
-              <a:t>2019-05-31</a:t>
+              <a:t>2019-06-01</a:t>
             </a:fld>
             <a:endParaRPr lang="ko-KR" altLang="en-US"/>
           </a:p>
@@ -2697,7 +2697,7 @@
           <p:cNvPr id="6" name="바닥글 개체 틀 5">
             <a:extLst>
               <a:ext uri="{FF2B5EF4-FFF2-40B4-BE49-F238E27FC236}">
-                <a16:creationId xmlns:a16="http://schemas.microsoft.com/office/drawing/2014/main" id="{B2FDE1A2-B820-4A37-A796-66ADA16E3422}"/>
+                <a16:creationId xmlns:a16="http://schemas.microsoft.com/office/drawing/2014/main" xmlns="" id="{B2FDE1A2-B820-4A37-A796-66ADA16E3422}"/>
               </a:ext>
             </a:extLst>
           </p:cNvPr>
@@ -2722,7 +2722,7 @@
           <p:cNvPr id="7" name="슬라이드 번호 개체 틀 6">
             <a:extLst>
               <a:ext uri="{FF2B5EF4-FFF2-40B4-BE49-F238E27FC236}">
-                <a16:creationId xmlns:a16="http://schemas.microsoft.com/office/drawing/2014/main" id="{2101FC76-AF57-4C9A-BAB9-B78E7EE0422C}"/>
+                <a16:creationId xmlns:a16="http://schemas.microsoft.com/office/drawing/2014/main" xmlns="" id="{2101FC76-AF57-4C9A-BAB9-B78E7EE0422C}"/>
               </a:ext>
             </a:extLst>
           </p:cNvPr>
@@ -2786,7 +2786,7 @@
           <p:cNvPr id="2" name="제목 개체 틀 1">
             <a:extLst>
               <a:ext uri="{FF2B5EF4-FFF2-40B4-BE49-F238E27FC236}">
-                <a16:creationId xmlns:a16="http://schemas.microsoft.com/office/drawing/2014/main" id="{8092EFE2-3A49-4CB4-88D5-3849E8C57628}"/>
+                <a16:creationId xmlns:a16="http://schemas.microsoft.com/office/drawing/2014/main" xmlns="" id="{8092EFE2-3A49-4CB4-88D5-3849E8C57628}"/>
               </a:ext>
             </a:extLst>
           </p:cNvPr>
@@ -2824,7 +2824,7 @@
           <p:cNvPr id="3" name="텍스트 개체 틀 2">
             <a:extLst>
               <a:ext uri="{FF2B5EF4-FFF2-40B4-BE49-F238E27FC236}">
-                <a16:creationId xmlns:a16="http://schemas.microsoft.com/office/drawing/2014/main" id="{8687972F-DA4C-47B9-B1F5-76C2DC45091F}"/>
+                <a16:creationId xmlns:a16="http://schemas.microsoft.com/office/drawing/2014/main" xmlns="" id="{8687972F-DA4C-47B9-B1F5-76C2DC45091F}"/>
               </a:ext>
             </a:extLst>
           </p:cNvPr>
@@ -2891,7 +2891,7 @@
           <p:cNvPr id="4" name="날짜 개체 틀 3">
             <a:extLst>
               <a:ext uri="{FF2B5EF4-FFF2-40B4-BE49-F238E27FC236}">
-                <a16:creationId xmlns:a16="http://schemas.microsoft.com/office/drawing/2014/main" id="{5BB62407-3297-4919-B82E-C7194E2469CD}"/>
+                <a16:creationId xmlns:a16="http://schemas.microsoft.com/office/drawing/2014/main" xmlns="" id="{5BB62407-3297-4919-B82E-C7194E2469CD}"/>
               </a:ext>
             </a:extLst>
           </p:cNvPr>
@@ -2927,7 +2927,7 @@
           <a:p>
             <a:fld id="{B1FA103F-A0A0-421B-9106-CBDB7838DD6F}" type="datetimeFigureOut">
               <a:rPr lang="ko-KR" altLang="en-US" smtClean="0"/>
-              <a:t>2019-05-31</a:t>
+              <a:t>2019-06-01</a:t>
             </a:fld>
             <a:endParaRPr lang="ko-KR" altLang="en-US"/>
           </a:p>
@@ -2938,7 +2938,7 @@
           <p:cNvPr id="5" name="바닥글 개체 틀 4">
             <a:extLst>
               <a:ext uri="{FF2B5EF4-FFF2-40B4-BE49-F238E27FC236}">
-                <a16:creationId xmlns:a16="http://schemas.microsoft.com/office/drawing/2014/main" id="{683F202E-418F-4E75-9AA8-E3BA8362F9DA}"/>
+                <a16:creationId xmlns:a16="http://schemas.microsoft.com/office/drawing/2014/main" xmlns="" id="{683F202E-418F-4E75-9AA8-E3BA8362F9DA}"/>
               </a:ext>
             </a:extLst>
           </p:cNvPr>
@@ -2981,7 +2981,7 @@
           <p:cNvPr id="6" name="슬라이드 번호 개체 틀 5">
             <a:extLst>
               <a:ext uri="{FF2B5EF4-FFF2-40B4-BE49-F238E27FC236}">
-                <a16:creationId xmlns:a16="http://schemas.microsoft.com/office/drawing/2014/main" id="{A8E4706C-940F-4B1E-BDBD-692DB9D5CC4B}"/>
+                <a16:creationId xmlns:a16="http://schemas.microsoft.com/office/drawing/2014/main" xmlns="" id="{A8E4706C-940F-4B1E-BDBD-692DB9D5CC4B}"/>
               </a:ext>
             </a:extLst>
           </p:cNvPr>
@@ -3349,7 +3349,7 @@
           <p:cNvPr id="4" name="Rectangle 2">
             <a:extLst>
               <a:ext uri="{FF2B5EF4-FFF2-40B4-BE49-F238E27FC236}">
-                <a16:creationId xmlns:a16="http://schemas.microsoft.com/office/drawing/2014/main" id="{D6BB62B4-A05A-475A-8BAF-8EBE8B9D2682}"/>
+                <a16:creationId xmlns:a16="http://schemas.microsoft.com/office/drawing/2014/main" xmlns="" id="{D6BB62B4-A05A-475A-8BAF-8EBE8B9D2682}"/>
               </a:ext>
             </a:extLst>
           </p:cNvPr>
@@ -3418,7 +3418,7 @@
           <p:cNvPr id="5" name="_x275706232">
             <a:extLst>
               <a:ext uri="{FF2B5EF4-FFF2-40B4-BE49-F238E27FC236}">
-                <a16:creationId xmlns:a16="http://schemas.microsoft.com/office/drawing/2014/main" id="{8C25056F-F91E-459D-9CBF-9906A52B2C6B}"/>
+                <a16:creationId xmlns:a16="http://schemas.microsoft.com/office/drawing/2014/main" xmlns="" id="{8C25056F-F91E-459D-9CBF-9906A52B2C6B}"/>
               </a:ext>
             </a:extLst>
           </p:cNvPr>
@@ -3531,7 +3531,7 @@
           <p:cNvPr id="6" name="Rectangle 5">
             <a:extLst>
               <a:ext uri="{FF2B5EF4-FFF2-40B4-BE49-F238E27FC236}">
-                <a16:creationId xmlns:a16="http://schemas.microsoft.com/office/drawing/2014/main" id="{21C6C0BE-9CFA-4120-8F13-AF141840F0D4}"/>
+                <a16:creationId xmlns:a16="http://schemas.microsoft.com/office/drawing/2014/main" xmlns="" id="{21C6C0BE-9CFA-4120-8F13-AF141840F0D4}"/>
               </a:ext>
             </a:extLst>
           </p:cNvPr>
@@ -3600,7 +3600,7 @@
           <p:cNvPr id="9" name="직사각형 8">
             <a:extLst>
               <a:ext uri="{FF2B5EF4-FFF2-40B4-BE49-F238E27FC236}">
-                <a16:creationId xmlns:a16="http://schemas.microsoft.com/office/drawing/2014/main" id="{394A427B-109F-4ECE-891F-397C64BAB5E6}"/>
+                <a16:creationId xmlns:a16="http://schemas.microsoft.com/office/drawing/2014/main" xmlns="" id="{394A427B-109F-4ECE-891F-397C64BAB5E6}"/>
               </a:ext>
             </a:extLst>
           </p:cNvPr>
@@ -3680,7 +3680,7 @@
           <p:cNvPr id="10" name="직사각형 9">
             <a:extLst>
               <a:ext uri="{FF2B5EF4-FFF2-40B4-BE49-F238E27FC236}">
-                <a16:creationId xmlns:a16="http://schemas.microsoft.com/office/drawing/2014/main" id="{0F7FC339-FD9B-4E26-A40E-1D8A893A9920}"/>
+                <a16:creationId xmlns:a16="http://schemas.microsoft.com/office/drawing/2014/main" xmlns="" id="{0F7FC339-FD9B-4E26-A40E-1D8A893A9920}"/>
               </a:ext>
             </a:extLst>
           </p:cNvPr>
@@ -3735,7 +3735,7 @@
           <p:cNvPr id="11" name="직사각형 10">
             <a:extLst>
               <a:ext uri="{FF2B5EF4-FFF2-40B4-BE49-F238E27FC236}">
-                <a16:creationId xmlns:a16="http://schemas.microsoft.com/office/drawing/2014/main" id="{B6A23693-A237-49DA-93B5-BB8CE8BD250A}"/>
+                <a16:creationId xmlns:a16="http://schemas.microsoft.com/office/drawing/2014/main" xmlns="" id="{B6A23693-A237-49DA-93B5-BB8CE8BD250A}"/>
               </a:ext>
             </a:extLst>
           </p:cNvPr>
@@ -3799,7 +3799,7 @@
           <p:cNvPr id="12" name="직사각형 11">
             <a:extLst>
               <a:ext uri="{FF2B5EF4-FFF2-40B4-BE49-F238E27FC236}">
-                <a16:creationId xmlns:a16="http://schemas.microsoft.com/office/drawing/2014/main" id="{20AC9019-566C-43F5-848E-DFC088DD76B9}"/>
+                <a16:creationId xmlns:a16="http://schemas.microsoft.com/office/drawing/2014/main" xmlns="" id="{20AC9019-566C-43F5-848E-DFC088DD76B9}"/>
               </a:ext>
             </a:extLst>
           </p:cNvPr>
@@ -3855,7 +3855,7 @@
           <p:cNvPr id="13" name="직사각형 12">
             <a:extLst>
               <a:ext uri="{FF2B5EF4-FFF2-40B4-BE49-F238E27FC236}">
-                <a16:creationId xmlns:a16="http://schemas.microsoft.com/office/drawing/2014/main" id="{D838BFD3-488C-4697-8778-65A36C78D7B7}"/>
+                <a16:creationId xmlns:a16="http://schemas.microsoft.com/office/drawing/2014/main" xmlns="" id="{D838BFD3-488C-4697-8778-65A36C78D7B7}"/>
               </a:ext>
             </a:extLst>
           </p:cNvPr>
@@ -3911,7 +3911,7 @@
           <p:cNvPr id="14" name="직사각형 13">
             <a:extLst>
               <a:ext uri="{FF2B5EF4-FFF2-40B4-BE49-F238E27FC236}">
-                <a16:creationId xmlns:a16="http://schemas.microsoft.com/office/drawing/2014/main" id="{AE4D70DC-CF54-4D6C-8D4F-6AF048EC8F3E}"/>
+                <a16:creationId xmlns:a16="http://schemas.microsoft.com/office/drawing/2014/main" xmlns="" id="{AE4D70DC-CF54-4D6C-8D4F-6AF048EC8F3E}"/>
               </a:ext>
             </a:extLst>
           </p:cNvPr>
@@ -3975,7 +3975,7 @@
           <p:cNvPr id="16" name="직사각형 15">
             <a:extLst>
               <a:ext uri="{FF2B5EF4-FFF2-40B4-BE49-F238E27FC236}">
-                <a16:creationId xmlns:a16="http://schemas.microsoft.com/office/drawing/2014/main" id="{B54AC183-1E47-48CE-8F21-9E84C0B8A41A}"/>
+                <a16:creationId xmlns:a16="http://schemas.microsoft.com/office/drawing/2014/main" xmlns="" id="{B54AC183-1E47-48CE-8F21-9E84C0B8A41A}"/>
               </a:ext>
             </a:extLst>
           </p:cNvPr>
@@ -4031,7 +4031,7 @@
           <p:cNvPr id="17" name="직사각형 16">
             <a:extLst>
               <a:ext uri="{FF2B5EF4-FFF2-40B4-BE49-F238E27FC236}">
-                <a16:creationId xmlns:a16="http://schemas.microsoft.com/office/drawing/2014/main" id="{C92DBEC7-FBB3-4994-B34E-88B5C4150F40}"/>
+                <a16:creationId xmlns:a16="http://schemas.microsoft.com/office/drawing/2014/main" xmlns="" id="{C92DBEC7-FBB3-4994-B34E-88B5C4150F40}"/>
               </a:ext>
             </a:extLst>
           </p:cNvPr>
@@ -4087,7 +4087,7 @@
           <p:cNvPr id="18" name="직사각형 17">
             <a:extLst>
               <a:ext uri="{FF2B5EF4-FFF2-40B4-BE49-F238E27FC236}">
-                <a16:creationId xmlns:a16="http://schemas.microsoft.com/office/drawing/2014/main" id="{A2AB6E3E-73E4-4095-BED0-8C1002DAE5FB}"/>
+                <a16:creationId xmlns:a16="http://schemas.microsoft.com/office/drawing/2014/main" xmlns="" id="{A2AB6E3E-73E4-4095-BED0-8C1002DAE5FB}"/>
               </a:ext>
             </a:extLst>
           </p:cNvPr>
@@ -4151,7 +4151,7 @@
           <p:cNvPr id="19" name="직사각형 18">
             <a:extLst>
               <a:ext uri="{FF2B5EF4-FFF2-40B4-BE49-F238E27FC236}">
-                <a16:creationId xmlns:a16="http://schemas.microsoft.com/office/drawing/2014/main" id="{4B537258-0F30-42BA-8B15-D460A876CDC0}"/>
+                <a16:creationId xmlns:a16="http://schemas.microsoft.com/office/drawing/2014/main" xmlns="" id="{4B537258-0F30-42BA-8B15-D460A876CDC0}"/>
               </a:ext>
             </a:extLst>
           </p:cNvPr>
@@ -4237,7 +4237,7 @@
           <p:cNvPr id="2" name="직사각형 1">
             <a:extLst>
               <a:ext uri="{FF2B5EF4-FFF2-40B4-BE49-F238E27FC236}">
-                <a16:creationId xmlns:a16="http://schemas.microsoft.com/office/drawing/2014/main" id="{4F0CF922-D0B4-452A-B84E-172BD08BE9FA}"/>
+                <a16:creationId xmlns:a16="http://schemas.microsoft.com/office/drawing/2014/main" xmlns="" id="{4F0CF922-D0B4-452A-B84E-172BD08BE9FA}"/>
               </a:ext>
             </a:extLst>
           </p:cNvPr>
@@ -4292,7 +4292,7 @@
           <p:cNvPr id="3" name="직사각형 2">
             <a:extLst>
               <a:ext uri="{FF2B5EF4-FFF2-40B4-BE49-F238E27FC236}">
-                <a16:creationId xmlns:a16="http://schemas.microsoft.com/office/drawing/2014/main" id="{689AB344-2150-4ED7-857A-754F892F856E}"/>
+                <a16:creationId xmlns:a16="http://schemas.microsoft.com/office/drawing/2014/main" xmlns="" id="{689AB344-2150-4ED7-857A-754F892F856E}"/>
               </a:ext>
             </a:extLst>
           </p:cNvPr>
@@ -4361,7 +4361,7 @@
           <p:cNvPr id="5" name="직사각형 4">
             <a:extLst>
               <a:ext uri="{FF2B5EF4-FFF2-40B4-BE49-F238E27FC236}">
-                <a16:creationId xmlns:a16="http://schemas.microsoft.com/office/drawing/2014/main" id="{310FBC73-0619-4913-B790-719FE8AA8F9D}"/>
+                <a16:creationId xmlns:a16="http://schemas.microsoft.com/office/drawing/2014/main" xmlns="" id="{310FBC73-0619-4913-B790-719FE8AA8F9D}"/>
               </a:ext>
             </a:extLst>
           </p:cNvPr>
@@ -4448,7 +4448,7 @@
           <p:cNvPr id="7" name="직사각형 6">
             <a:extLst>
               <a:ext uri="{FF2B5EF4-FFF2-40B4-BE49-F238E27FC236}">
-                <a16:creationId xmlns:a16="http://schemas.microsoft.com/office/drawing/2014/main" id="{D978987B-310E-4AD9-B68D-A0F9F97871D9}"/>
+                <a16:creationId xmlns:a16="http://schemas.microsoft.com/office/drawing/2014/main" xmlns="" id="{D978987B-310E-4AD9-B68D-A0F9F97871D9}"/>
               </a:ext>
             </a:extLst>
           </p:cNvPr>
@@ -4535,7 +4535,7 @@
           <p:cNvPr id="17" name="직사각형 16">
             <a:extLst>
               <a:ext uri="{FF2B5EF4-FFF2-40B4-BE49-F238E27FC236}">
-                <a16:creationId xmlns:a16="http://schemas.microsoft.com/office/drawing/2014/main" id="{7FF5E731-46E9-4A6E-B271-9CC068E7B176}"/>
+                <a16:creationId xmlns:a16="http://schemas.microsoft.com/office/drawing/2014/main" xmlns="" id="{7FF5E731-46E9-4A6E-B271-9CC068E7B176}"/>
               </a:ext>
             </a:extLst>
           </p:cNvPr>
@@ -4593,7 +4593,7 @@
           <p:cNvPr id="2" name="직사각형 1">
             <a:extLst>
               <a:ext uri="{FF2B5EF4-FFF2-40B4-BE49-F238E27FC236}">
-                <a16:creationId xmlns:a16="http://schemas.microsoft.com/office/drawing/2014/main" id="{7E71A023-B1F2-47AC-A5B2-9B2E1A6001AE}"/>
+                <a16:creationId xmlns:a16="http://schemas.microsoft.com/office/drawing/2014/main" xmlns="" id="{7E71A023-B1F2-47AC-A5B2-9B2E1A6001AE}"/>
               </a:ext>
             </a:extLst>
           </p:cNvPr>
@@ -4648,7 +4648,7 @@
           <p:cNvPr id="5" name="직사각형 4">
             <a:extLst>
               <a:ext uri="{FF2B5EF4-FFF2-40B4-BE49-F238E27FC236}">
-                <a16:creationId xmlns:a16="http://schemas.microsoft.com/office/drawing/2014/main" id="{40CD23B7-8C1E-40E3-A71C-D1FBF2449148}"/>
+                <a16:creationId xmlns:a16="http://schemas.microsoft.com/office/drawing/2014/main" xmlns="" id="{40CD23B7-8C1E-40E3-A71C-D1FBF2449148}"/>
               </a:ext>
             </a:extLst>
           </p:cNvPr>
@@ -4701,7 +4701,7 @@
           <p:cNvPr id="6" name="직사각형 5">
             <a:extLst>
               <a:ext uri="{FF2B5EF4-FFF2-40B4-BE49-F238E27FC236}">
-                <a16:creationId xmlns:a16="http://schemas.microsoft.com/office/drawing/2014/main" id="{4CA55441-3E66-45F7-9740-8D279AB6B548}"/>
+                <a16:creationId xmlns:a16="http://schemas.microsoft.com/office/drawing/2014/main" xmlns="" id="{4CA55441-3E66-45F7-9740-8D279AB6B548}"/>
               </a:ext>
             </a:extLst>
           </p:cNvPr>
@@ -4758,7 +4758,7 @@
           <p:cNvPr id="7" name="직사각형 6">
             <a:extLst>
               <a:ext uri="{FF2B5EF4-FFF2-40B4-BE49-F238E27FC236}">
-                <a16:creationId xmlns:a16="http://schemas.microsoft.com/office/drawing/2014/main" id="{11A05008-DA48-4FDC-9357-D0C15C0B93B2}"/>
+                <a16:creationId xmlns:a16="http://schemas.microsoft.com/office/drawing/2014/main" xmlns="" id="{11A05008-DA48-4FDC-9357-D0C15C0B93B2}"/>
               </a:ext>
             </a:extLst>
           </p:cNvPr>
@@ -4815,7 +4815,7 @@
           <p:cNvPr id="8" name="직사각형 7">
             <a:extLst>
               <a:ext uri="{FF2B5EF4-FFF2-40B4-BE49-F238E27FC236}">
-                <a16:creationId xmlns:a16="http://schemas.microsoft.com/office/drawing/2014/main" id="{F3D66EC5-DCAA-44B3-AFC6-CCC602123AF1}"/>
+                <a16:creationId xmlns:a16="http://schemas.microsoft.com/office/drawing/2014/main" xmlns="" id="{F3D66EC5-DCAA-44B3-AFC6-CCC602123AF1}"/>
               </a:ext>
             </a:extLst>
           </p:cNvPr>
@@ -4872,7 +4872,7 @@
           <p:cNvPr id="9" name="직사각형 8">
             <a:extLst>
               <a:ext uri="{FF2B5EF4-FFF2-40B4-BE49-F238E27FC236}">
-                <a16:creationId xmlns:a16="http://schemas.microsoft.com/office/drawing/2014/main" id="{8D615401-D563-4B39-9010-1DE2DB67F23F}"/>
+                <a16:creationId xmlns:a16="http://schemas.microsoft.com/office/drawing/2014/main" xmlns="" id="{8D615401-D563-4B39-9010-1DE2DB67F23F}"/>
               </a:ext>
             </a:extLst>
           </p:cNvPr>
@@ -4929,7 +4929,7 @@
           <p:cNvPr id="11" name="직사각형 10">
             <a:extLst>
               <a:ext uri="{FF2B5EF4-FFF2-40B4-BE49-F238E27FC236}">
-                <a16:creationId xmlns:a16="http://schemas.microsoft.com/office/drawing/2014/main" id="{220535B9-519F-4B5C-8264-A741905D1590}"/>
+                <a16:creationId xmlns:a16="http://schemas.microsoft.com/office/drawing/2014/main" xmlns="" id="{220535B9-519F-4B5C-8264-A741905D1590}"/>
               </a:ext>
             </a:extLst>
           </p:cNvPr>
@@ -4986,7 +4986,7 @@
           <p:cNvPr id="13" name="직사각형 12">
             <a:extLst>
               <a:ext uri="{FF2B5EF4-FFF2-40B4-BE49-F238E27FC236}">
-                <a16:creationId xmlns:a16="http://schemas.microsoft.com/office/drawing/2014/main" id="{AED75244-938D-484C-9695-809BCEC3D5FB}"/>
+                <a16:creationId xmlns:a16="http://schemas.microsoft.com/office/drawing/2014/main" xmlns="" id="{AED75244-938D-484C-9695-809BCEC3D5FB}"/>
               </a:ext>
             </a:extLst>
           </p:cNvPr>
@@ -5043,7 +5043,7 @@
           <p:cNvPr id="15" name="직사각형 14">
             <a:extLst>
               <a:ext uri="{FF2B5EF4-FFF2-40B4-BE49-F238E27FC236}">
-                <a16:creationId xmlns:a16="http://schemas.microsoft.com/office/drawing/2014/main" id="{65386973-51C3-44B5-B51B-7E4B6E6B09A4}"/>
+                <a16:creationId xmlns:a16="http://schemas.microsoft.com/office/drawing/2014/main" xmlns="" id="{65386973-51C3-44B5-B51B-7E4B6E6B09A4}"/>
               </a:ext>
             </a:extLst>
           </p:cNvPr>
@@ -5100,7 +5100,7 @@
           <p:cNvPr id="16" name="직사각형 15">
             <a:extLst>
               <a:ext uri="{FF2B5EF4-FFF2-40B4-BE49-F238E27FC236}">
-                <a16:creationId xmlns:a16="http://schemas.microsoft.com/office/drawing/2014/main" id="{040560C7-E3D7-42A1-8709-6F887AEC0BAA}"/>
+                <a16:creationId xmlns:a16="http://schemas.microsoft.com/office/drawing/2014/main" xmlns="" id="{040560C7-E3D7-42A1-8709-6F887AEC0BAA}"/>
               </a:ext>
             </a:extLst>
           </p:cNvPr>
@@ -5157,7 +5157,7 @@
           <p:cNvPr id="18" name="직사각형 17">
             <a:extLst>
               <a:ext uri="{FF2B5EF4-FFF2-40B4-BE49-F238E27FC236}">
-                <a16:creationId xmlns:a16="http://schemas.microsoft.com/office/drawing/2014/main" id="{B4337816-6813-4A2F-A243-91B28F882AA8}"/>
+                <a16:creationId xmlns:a16="http://schemas.microsoft.com/office/drawing/2014/main" xmlns="" id="{B4337816-6813-4A2F-A243-91B28F882AA8}"/>
               </a:ext>
             </a:extLst>
           </p:cNvPr>
@@ -5256,7 +5256,7 @@
           <p:cNvPr id="17" name="직사각형 16">
             <a:extLst>
               <a:ext uri="{FF2B5EF4-FFF2-40B4-BE49-F238E27FC236}">
-                <a16:creationId xmlns:a16="http://schemas.microsoft.com/office/drawing/2014/main" id="{7FF5E731-46E9-4A6E-B271-9CC068E7B176}"/>
+                <a16:creationId xmlns:a16="http://schemas.microsoft.com/office/drawing/2014/main" xmlns="" id="{7FF5E731-46E9-4A6E-B271-9CC068E7B176}"/>
               </a:ext>
             </a:extLst>
           </p:cNvPr>
@@ -5314,7 +5314,7 @@
           <p:cNvPr id="2" name="직사각형 1">
             <a:extLst>
               <a:ext uri="{FF2B5EF4-FFF2-40B4-BE49-F238E27FC236}">
-                <a16:creationId xmlns:a16="http://schemas.microsoft.com/office/drawing/2014/main" id="{7E71A023-B1F2-47AC-A5B2-9B2E1A6001AE}"/>
+                <a16:creationId xmlns:a16="http://schemas.microsoft.com/office/drawing/2014/main" xmlns="" id="{7E71A023-B1F2-47AC-A5B2-9B2E1A6001AE}"/>
               </a:ext>
             </a:extLst>
           </p:cNvPr>
@@ -5369,7 +5369,7 @@
           <p:cNvPr id="5" name="직사각형 4">
             <a:extLst>
               <a:ext uri="{FF2B5EF4-FFF2-40B4-BE49-F238E27FC236}">
-                <a16:creationId xmlns:a16="http://schemas.microsoft.com/office/drawing/2014/main" id="{40CD23B7-8C1E-40E3-A71C-D1FBF2449148}"/>
+                <a16:creationId xmlns:a16="http://schemas.microsoft.com/office/drawing/2014/main" xmlns="" id="{40CD23B7-8C1E-40E3-A71C-D1FBF2449148}"/>
               </a:ext>
             </a:extLst>
           </p:cNvPr>
@@ -5422,7 +5422,7 @@
           <p:cNvPr id="6" name="직사각형 5">
             <a:extLst>
               <a:ext uri="{FF2B5EF4-FFF2-40B4-BE49-F238E27FC236}">
-                <a16:creationId xmlns:a16="http://schemas.microsoft.com/office/drawing/2014/main" id="{4CA55441-3E66-45F7-9740-8D279AB6B548}"/>
+                <a16:creationId xmlns:a16="http://schemas.microsoft.com/office/drawing/2014/main" xmlns="" id="{4CA55441-3E66-45F7-9740-8D279AB6B548}"/>
               </a:ext>
             </a:extLst>
           </p:cNvPr>
@@ -5479,7 +5479,7 @@
           <p:cNvPr id="7" name="직사각형 6">
             <a:extLst>
               <a:ext uri="{FF2B5EF4-FFF2-40B4-BE49-F238E27FC236}">
-                <a16:creationId xmlns:a16="http://schemas.microsoft.com/office/drawing/2014/main" id="{11A05008-DA48-4FDC-9357-D0C15C0B93B2}"/>
+                <a16:creationId xmlns:a16="http://schemas.microsoft.com/office/drawing/2014/main" xmlns="" id="{11A05008-DA48-4FDC-9357-D0C15C0B93B2}"/>
               </a:ext>
             </a:extLst>
           </p:cNvPr>
@@ -5536,7 +5536,7 @@
           <p:cNvPr id="8" name="직사각형 7">
             <a:extLst>
               <a:ext uri="{FF2B5EF4-FFF2-40B4-BE49-F238E27FC236}">
-                <a16:creationId xmlns:a16="http://schemas.microsoft.com/office/drawing/2014/main" id="{F3D66EC5-DCAA-44B3-AFC6-CCC602123AF1}"/>
+                <a16:creationId xmlns:a16="http://schemas.microsoft.com/office/drawing/2014/main" xmlns="" id="{F3D66EC5-DCAA-44B3-AFC6-CCC602123AF1}"/>
               </a:ext>
             </a:extLst>
           </p:cNvPr>
@@ -5593,7 +5593,7 @@
           <p:cNvPr id="9" name="직사각형 8">
             <a:extLst>
               <a:ext uri="{FF2B5EF4-FFF2-40B4-BE49-F238E27FC236}">
-                <a16:creationId xmlns:a16="http://schemas.microsoft.com/office/drawing/2014/main" id="{8D615401-D563-4B39-9010-1DE2DB67F23F}"/>
+                <a16:creationId xmlns:a16="http://schemas.microsoft.com/office/drawing/2014/main" xmlns="" id="{8D615401-D563-4B39-9010-1DE2DB67F23F}"/>
               </a:ext>
             </a:extLst>
           </p:cNvPr>
@@ -5650,7 +5650,7 @@
           <p:cNvPr id="11" name="직사각형 10">
             <a:extLst>
               <a:ext uri="{FF2B5EF4-FFF2-40B4-BE49-F238E27FC236}">
-                <a16:creationId xmlns:a16="http://schemas.microsoft.com/office/drawing/2014/main" id="{220535B9-519F-4B5C-8264-A741905D1590}"/>
+                <a16:creationId xmlns:a16="http://schemas.microsoft.com/office/drawing/2014/main" xmlns="" id="{220535B9-519F-4B5C-8264-A741905D1590}"/>
               </a:ext>
             </a:extLst>
           </p:cNvPr>
@@ -5707,7 +5707,7 @@
           <p:cNvPr id="13" name="직사각형 12">
             <a:extLst>
               <a:ext uri="{FF2B5EF4-FFF2-40B4-BE49-F238E27FC236}">
-                <a16:creationId xmlns:a16="http://schemas.microsoft.com/office/drawing/2014/main" id="{AED75244-938D-484C-9695-809BCEC3D5FB}"/>
+                <a16:creationId xmlns:a16="http://schemas.microsoft.com/office/drawing/2014/main" xmlns="" id="{AED75244-938D-484C-9695-809BCEC3D5FB}"/>
               </a:ext>
             </a:extLst>
           </p:cNvPr>
@@ -5764,7 +5764,7 @@
           <p:cNvPr id="15" name="직사각형 14">
             <a:extLst>
               <a:ext uri="{FF2B5EF4-FFF2-40B4-BE49-F238E27FC236}">
-                <a16:creationId xmlns:a16="http://schemas.microsoft.com/office/drawing/2014/main" id="{65386973-51C3-44B5-B51B-7E4B6E6B09A4}"/>
+                <a16:creationId xmlns:a16="http://schemas.microsoft.com/office/drawing/2014/main" xmlns="" id="{65386973-51C3-44B5-B51B-7E4B6E6B09A4}"/>
               </a:ext>
             </a:extLst>
           </p:cNvPr>
@@ -5821,7 +5821,7 @@
           <p:cNvPr id="16" name="직사각형 15">
             <a:extLst>
               <a:ext uri="{FF2B5EF4-FFF2-40B4-BE49-F238E27FC236}">
-                <a16:creationId xmlns:a16="http://schemas.microsoft.com/office/drawing/2014/main" id="{040560C7-E3D7-42A1-8709-6F887AEC0BAA}"/>
+                <a16:creationId xmlns:a16="http://schemas.microsoft.com/office/drawing/2014/main" xmlns="" id="{040560C7-E3D7-42A1-8709-6F887AEC0BAA}"/>
               </a:ext>
             </a:extLst>
           </p:cNvPr>
@@ -5878,7 +5878,7 @@
           <p:cNvPr id="14" name="직사각형 13">
             <a:extLst>
               <a:ext uri="{FF2B5EF4-FFF2-40B4-BE49-F238E27FC236}">
-                <a16:creationId xmlns:a16="http://schemas.microsoft.com/office/drawing/2014/main" id="{0FF93B29-4D26-4128-8360-60FCDE5CED07}"/>
+                <a16:creationId xmlns:a16="http://schemas.microsoft.com/office/drawing/2014/main" xmlns="" id="{0FF93B29-4D26-4128-8360-60FCDE5CED07}"/>
               </a:ext>
             </a:extLst>
           </p:cNvPr>
@@ -5977,7 +5977,7 @@
           <p:cNvPr id="2" name="직사각형 1">
             <a:extLst>
               <a:ext uri="{FF2B5EF4-FFF2-40B4-BE49-F238E27FC236}">
-                <a16:creationId xmlns:a16="http://schemas.microsoft.com/office/drawing/2014/main" id="{3A0C04A9-F39A-42A8-AA23-CFA9EAACCB10}"/>
+                <a16:creationId xmlns:a16="http://schemas.microsoft.com/office/drawing/2014/main" xmlns="" id="{3A0C04A9-F39A-42A8-AA23-CFA9EAACCB10}"/>
               </a:ext>
             </a:extLst>
           </p:cNvPr>
@@ -6032,7 +6032,7 @@
           <p:cNvPr id="4" name="직사각형 3">
             <a:extLst>
               <a:ext uri="{FF2B5EF4-FFF2-40B4-BE49-F238E27FC236}">
-                <a16:creationId xmlns:a16="http://schemas.microsoft.com/office/drawing/2014/main" id="{E1F68635-22AC-4902-9963-F7A4AB34500E}"/>
+                <a16:creationId xmlns:a16="http://schemas.microsoft.com/office/drawing/2014/main" xmlns="" id="{E1F68635-22AC-4902-9963-F7A4AB34500E}"/>
               </a:ext>
             </a:extLst>
           </p:cNvPr>
@@ -6085,7 +6085,7 @@
           <p:cNvPr id="5" name="직사각형 4">
             <a:extLst>
               <a:ext uri="{FF2B5EF4-FFF2-40B4-BE49-F238E27FC236}">
-                <a16:creationId xmlns:a16="http://schemas.microsoft.com/office/drawing/2014/main" id="{3D5C537F-7414-495A-86A0-47610F91A0DE}"/>
+                <a16:creationId xmlns:a16="http://schemas.microsoft.com/office/drawing/2014/main" xmlns="" id="{3D5C537F-7414-495A-86A0-47610F91A0DE}"/>
               </a:ext>
             </a:extLst>
           </p:cNvPr>
@@ -6138,7 +6138,7 @@
           <p:cNvPr id="6" name="직사각형 5">
             <a:extLst>
               <a:ext uri="{FF2B5EF4-FFF2-40B4-BE49-F238E27FC236}">
-                <a16:creationId xmlns:a16="http://schemas.microsoft.com/office/drawing/2014/main" id="{14FFC023-F5FF-4812-B421-BEB9CC3F33FE}"/>
+                <a16:creationId xmlns:a16="http://schemas.microsoft.com/office/drawing/2014/main" xmlns="" id="{14FFC023-F5FF-4812-B421-BEB9CC3F33FE}"/>
               </a:ext>
             </a:extLst>
           </p:cNvPr>
@@ -6191,7 +6191,7 @@
           <p:cNvPr id="11" name="직사각형 10">
             <a:extLst>
               <a:ext uri="{FF2B5EF4-FFF2-40B4-BE49-F238E27FC236}">
-                <a16:creationId xmlns:a16="http://schemas.microsoft.com/office/drawing/2014/main" id="{0B40FA97-3528-4522-AA07-AF162CFB9913}"/>
+                <a16:creationId xmlns:a16="http://schemas.microsoft.com/office/drawing/2014/main" xmlns="" id="{0B40FA97-3528-4522-AA07-AF162CFB9913}"/>
               </a:ext>
             </a:extLst>
           </p:cNvPr>
@@ -6244,7 +6244,7 @@
           <p:cNvPr id="12" name="직사각형 11">
             <a:extLst>
               <a:ext uri="{FF2B5EF4-FFF2-40B4-BE49-F238E27FC236}">
-                <a16:creationId xmlns:a16="http://schemas.microsoft.com/office/drawing/2014/main" id="{64EE7842-4A2C-4D54-9B31-152EA61AF826}"/>
+                <a16:creationId xmlns:a16="http://schemas.microsoft.com/office/drawing/2014/main" xmlns="" id="{64EE7842-4A2C-4D54-9B31-152EA61AF826}"/>
               </a:ext>
             </a:extLst>
           </p:cNvPr>
@@ -6297,7 +6297,7 @@
           <p:cNvPr id="13" name="직사각형 12">
             <a:extLst>
               <a:ext uri="{FF2B5EF4-FFF2-40B4-BE49-F238E27FC236}">
-                <a16:creationId xmlns:a16="http://schemas.microsoft.com/office/drawing/2014/main" id="{561AF569-A994-4C2F-958F-33329BC275C2}"/>
+                <a16:creationId xmlns:a16="http://schemas.microsoft.com/office/drawing/2014/main" xmlns="" id="{561AF569-A994-4C2F-958F-33329BC275C2}"/>
               </a:ext>
             </a:extLst>
           </p:cNvPr>
@@ -6350,7 +6350,7 @@
           <p:cNvPr id="14" name="직사각형 13">
             <a:extLst>
               <a:ext uri="{FF2B5EF4-FFF2-40B4-BE49-F238E27FC236}">
-                <a16:creationId xmlns:a16="http://schemas.microsoft.com/office/drawing/2014/main" id="{4677FE21-7E9C-4AF2-8809-D4118D5EA676}"/>
+                <a16:creationId xmlns:a16="http://schemas.microsoft.com/office/drawing/2014/main" xmlns="" id="{4677FE21-7E9C-4AF2-8809-D4118D5EA676}"/>
               </a:ext>
             </a:extLst>
           </p:cNvPr>
@@ -6403,7 +6403,7 @@
           <p:cNvPr id="16" name="직사각형 15">
             <a:extLst>
               <a:ext uri="{FF2B5EF4-FFF2-40B4-BE49-F238E27FC236}">
-                <a16:creationId xmlns:a16="http://schemas.microsoft.com/office/drawing/2014/main" id="{183CD012-E8F8-48C3-8819-0B01CF0283E2}"/>
+                <a16:creationId xmlns:a16="http://schemas.microsoft.com/office/drawing/2014/main" xmlns="" id="{183CD012-E8F8-48C3-8819-0B01CF0283E2}"/>
               </a:ext>
             </a:extLst>
           </p:cNvPr>
@@ -6460,7 +6460,7 @@
           <p:cNvPr id="17" name="직사각형 16">
             <a:extLst>
               <a:ext uri="{FF2B5EF4-FFF2-40B4-BE49-F238E27FC236}">
-                <a16:creationId xmlns:a16="http://schemas.microsoft.com/office/drawing/2014/main" id="{AE648A8D-8302-491F-B4FF-4A6A9C6E5C61}"/>
+                <a16:creationId xmlns:a16="http://schemas.microsoft.com/office/drawing/2014/main" xmlns="" id="{AE648A8D-8302-491F-B4FF-4A6A9C6E5C61}"/>
               </a:ext>
             </a:extLst>
           </p:cNvPr>
@@ -6517,7 +6517,7 @@
           <p:cNvPr id="18" name="직사각형 17">
             <a:extLst>
               <a:ext uri="{FF2B5EF4-FFF2-40B4-BE49-F238E27FC236}">
-                <a16:creationId xmlns:a16="http://schemas.microsoft.com/office/drawing/2014/main" id="{3CEEAFCD-C6DB-4EE6-919F-BC7EE2F55906}"/>
+                <a16:creationId xmlns:a16="http://schemas.microsoft.com/office/drawing/2014/main" xmlns="" id="{3CEEAFCD-C6DB-4EE6-919F-BC7EE2F55906}"/>
               </a:ext>
             </a:extLst>
           </p:cNvPr>
@@ -6574,7 +6574,7 @@
           <p:cNvPr id="19" name="직사각형 18">
             <a:extLst>
               <a:ext uri="{FF2B5EF4-FFF2-40B4-BE49-F238E27FC236}">
-                <a16:creationId xmlns:a16="http://schemas.microsoft.com/office/drawing/2014/main" id="{4EB5038B-DD62-4009-8342-8F6DB512CCAC}"/>
+                <a16:creationId xmlns:a16="http://schemas.microsoft.com/office/drawing/2014/main" xmlns="" id="{4EB5038B-DD62-4009-8342-8F6DB512CCAC}"/>
               </a:ext>
             </a:extLst>
           </p:cNvPr>
@@ -6673,7 +6673,7 @@
           <p:cNvPr id="3" name="직사각형 2">
             <a:extLst>
               <a:ext uri="{FF2B5EF4-FFF2-40B4-BE49-F238E27FC236}">
-                <a16:creationId xmlns:a16="http://schemas.microsoft.com/office/drawing/2014/main" id="{C3400253-03B2-434F-AB7F-B7DA5079D627}"/>
+                <a16:creationId xmlns:a16="http://schemas.microsoft.com/office/drawing/2014/main" xmlns="" id="{C3400253-03B2-434F-AB7F-B7DA5079D627}"/>
               </a:ext>
             </a:extLst>
           </p:cNvPr>
@@ -6728,7 +6728,7 @@
           <p:cNvPr id="4" name="직사각형 3">
             <a:extLst>
               <a:ext uri="{FF2B5EF4-FFF2-40B4-BE49-F238E27FC236}">
-                <a16:creationId xmlns:a16="http://schemas.microsoft.com/office/drawing/2014/main" id="{FB2BAA07-2CF0-4FEE-9C9D-6EFA3D651C57}"/>
+                <a16:creationId xmlns:a16="http://schemas.microsoft.com/office/drawing/2014/main" xmlns="" id="{FB2BAA07-2CF0-4FEE-9C9D-6EFA3D651C57}"/>
               </a:ext>
             </a:extLst>
           </p:cNvPr>
@@ -6781,7 +6781,7 @@
           <p:cNvPr id="5" name="직사각형 4">
             <a:extLst>
               <a:ext uri="{FF2B5EF4-FFF2-40B4-BE49-F238E27FC236}">
-                <a16:creationId xmlns:a16="http://schemas.microsoft.com/office/drawing/2014/main" id="{86124FF6-F05B-49C1-A308-4699416EDF82}"/>
+                <a16:creationId xmlns:a16="http://schemas.microsoft.com/office/drawing/2014/main" xmlns="" id="{86124FF6-F05B-49C1-A308-4699416EDF82}"/>
               </a:ext>
             </a:extLst>
           </p:cNvPr>
@@ -6839,7 +6839,7 @@
           <p:cNvPr id="8" name="직사각형 7">
             <a:extLst>
               <a:ext uri="{FF2B5EF4-FFF2-40B4-BE49-F238E27FC236}">
-                <a16:creationId xmlns:a16="http://schemas.microsoft.com/office/drawing/2014/main" id="{01D5D1AE-E4E3-425A-AF23-C54801E7D089}"/>
+                <a16:creationId xmlns:a16="http://schemas.microsoft.com/office/drawing/2014/main" xmlns="" id="{01D5D1AE-E4E3-425A-AF23-C54801E7D089}"/>
               </a:ext>
             </a:extLst>
           </p:cNvPr>
@@ -6915,7 +6915,7 @@
           <p:cNvPr id="9" name="직사각형 8">
             <a:extLst>
               <a:ext uri="{FF2B5EF4-FFF2-40B4-BE49-F238E27FC236}">
-                <a16:creationId xmlns:a16="http://schemas.microsoft.com/office/drawing/2014/main" id="{CD1EDB7E-2DEF-401D-A8C6-47EB11E8C9AF}"/>
+                <a16:creationId xmlns:a16="http://schemas.microsoft.com/office/drawing/2014/main" xmlns="" id="{CD1EDB7E-2DEF-401D-A8C6-47EB11E8C9AF}"/>
               </a:ext>
             </a:extLst>
           </p:cNvPr>
@@ -7014,7 +7014,7 @@
           <p:cNvPr id="10" name="직사각형 9">
             <a:extLst>
               <a:ext uri="{FF2B5EF4-FFF2-40B4-BE49-F238E27FC236}">
-                <a16:creationId xmlns:a16="http://schemas.microsoft.com/office/drawing/2014/main" id="{D07355D1-DD9A-41CA-B8EF-70A6E59A8880}"/>
+                <a16:creationId xmlns:a16="http://schemas.microsoft.com/office/drawing/2014/main" xmlns="" id="{D07355D1-DD9A-41CA-B8EF-70A6E59A8880}"/>
               </a:ext>
             </a:extLst>
           </p:cNvPr>
@@ -7071,7 +7071,7 @@
           <p:cNvPr id="11" name="직사각형 10">
             <a:extLst>
               <a:ext uri="{FF2B5EF4-FFF2-40B4-BE49-F238E27FC236}">
-                <a16:creationId xmlns:a16="http://schemas.microsoft.com/office/drawing/2014/main" id="{1864EBA7-08C8-46F6-8A56-10FB56C13874}"/>
+                <a16:creationId xmlns:a16="http://schemas.microsoft.com/office/drawing/2014/main" xmlns="" id="{1864EBA7-08C8-46F6-8A56-10FB56C13874}"/>
               </a:ext>
             </a:extLst>
           </p:cNvPr>
@@ -7158,7 +7158,7 @@
           <p:cNvPr id="2" name="직사각형 1">
             <a:extLst>
               <a:ext uri="{FF2B5EF4-FFF2-40B4-BE49-F238E27FC236}">
-                <a16:creationId xmlns:a16="http://schemas.microsoft.com/office/drawing/2014/main" id="{1B743756-9736-4D73-AA53-9FBAF0FC2DEC}"/>
+                <a16:creationId xmlns:a16="http://schemas.microsoft.com/office/drawing/2014/main" xmlns="" id="{1B743756-9736-4D73-AA53-9FBAF0FC2DEC}"/>
               </a:ext>
             </a:extLst>
           </p:cNvPr>
@@ -7266,7 +7266,7 @@
           <p:cNvPr id="3" name="직사각형 2">
             <a:extLst>
               <a:ext uri="{FF2B5EF4-FFF2-40B4-BE49-F238E27FC236}">
-                <a16:creationId xmlns:a16="http://schemas.microsoft.com/office/drawing/2014/main" id="{8D4904B1-CD5F-48C1-9B99-E4AB3CD4858C}"/>
+                <a16:creationId xmlns:a16="http://schemas.microsoft.com/office/drawing/2014/main" xmlns="" id="{8D4904B1-CD5F-48C1-9B99-E4AB3CD4858C}"/>
               </a:ext>
             </a:extLst>
           </p:cNvPr>
@@ -7321,7 +7321,7 @@
           <p:cNvPr id="4" name="직사각형 3">
             <a:extLst>
               <a:ext uri="{FF2B5EF4-FFF2-40B4-BE49-F238E27FC236}">
-                <a16:creationId xmlns:a16="http://schemas.microsoft.com/office/drawing/2014/main" id="{DE9B4588-AF98-45D4-9267-CD4099C228F8}"/>
+                <a16:creationId xmlns:a16="http://schemas.microsoft.com/office/drawing/2014/main" xmlns="" id="{DE9B4588-AF98-45D4-9267-CD4099C228F8}"/>
               </a:ext>
             </a:extLst>
           </p:cNvPr>
@@ -7374,7 +7374,7 @@
           <p:cNvPr id="5" name="직사각형 4">
             <a:extLst>
               <a:ext uri="{FF2B5EF4-FFF2-40B4-BE49-F238E27FC236}">
-                <a16:creationId xmlns:a16="http://schemas.microsoft.com/office/drawing/2014/main" id="{B42FB7C7-07A3-4DDB-A452-BA7B2F69383A}"/>
+                <a16:creationId xmlns:a16="http://schemas.microsoft.com/office/drawing/2014/main" xmlns="" id="{B42FB7C7-07A3-4DDB-A452-BA7B2F69383A}"/>
               </a:ext>
             </a:extLst>
           </p:cNvPr>
@@ -7431,7 +7431,7 @@
           <p:cNvPr id="7" name="직사각형 6">
             <a:extLst>
               <a:ext uri="{FF2B5EF4-FFF2-40B4-BE49-F238E27FC236}">
-                <a16:creationId xmlns:a16="http://schemas.microsoft.com/office/drawing/2014/main" id="{9D7E3842-7D4F-4D4E-A63D-9F098A498D69}"/>
+                <a16:creationId xmlns:a16="http://schemas.microsoft.com/office/drawing/2014/main" xmlns="" id="{9D7E3842-7D4F-4D4E-A63D-9F098A498D69}"/>
               </a:ext>
             </a:extLst>
           </p:cNvPr>
@@ -7488,7 +7488,7 @@
           <p:cNvPr id="8" name="직사각형 7">
             <a:extLst>
               <a:ext uri="{FF2B5EF4-FFF2-40B4-BE49-F238E27FC236}">
-                <a16:creationId xmlns:a16="http://schemas.microsoft.com/office/drawing/2014/main" id="{1914E32B-996B-494C-A80F-06513A536094}"/>
+                <a16:creationId xmlns:a16="http://schemas.microsoft.com/office/drawing/2014/main" xmlns="" id="{1914E32B-996B-494C-A80F-06513A536094}"/>
               </a:ext>
             </a:extLst>
           </p:cNvPr>
@@ -7575,7 +7575,7 @@
           <p:cNvPr id="2" name="직사각형 1">
             <a:extLst>
               <a:ext uri="{FF2B5EF4-FFF2-40B4-BE49-F238E27FC236}">
-                <a16:creationId xmlns:a16="http://schemas.microsoft.com/office/drawing/2014/main" id="{A63AB992-8E24-40DD-B994-2791DE0DC950}"/>
+                <a16:creationId xmlns:a16="http://schemas.microsoft.com/office/drawing/2014/main" xmlns="" id="{A63AB992-8E24-40DD-B994-2791DE0DC950}"/>
               </a:ext>
             </a:extLst>
           </p:cNvPr>
@@ -7630,7 +7630,7 @@
           <p:cNvPr id="3" name="직사각형 2">
             <a:extLst>
               <a:ext uri="{FF2B5EF4-FFF2-40B4-BE49-F238E27FC236}">
-                <a16:creationId xmlns:a16="http://schemas.microsoft.com/office/drawing/2014/main" id="{2EE40087-9EA1-4EE7-B47A-05CE2F56781D}"/>
+                <a16:creationId xmlns:a16="http://schemas.microsoft.com/office/drawing/2014/main" xmlns="" id="{2EE40087-9EA1-4EE7-B47A-05CE2F56781D}"/>
               </a:ext>
             </a:extLst>
           </p:cNvPr>
@@ -7702,7 +7702,7 @@
           <p:cNvPr id="4" name="직사각형 3">
             <a:extLst>
               <a:ext uri="{FF2B5EF4-FFF2-40B4-BE49-F238E27FC236}">
-                <a16:creationId xmlns:a16="http://schemas.microsoft.com/office/drawing/2014/main" id="{988E59CE-3F7B-4519-971F-AF9C177818B2}"/>
+                <a16:creationId xmlns:a16="http://schemas.microsoft.com/office/drawing/2014/main" xmlns="" id="{988E59CE-3F7B-4519-971F-AF9C177818B2}"/>
               </a:ext>
             </a:extLst>
           </p:cNvPr>
@@ -7773,7 +7773,7 @@
           <p:cNvPr id="5" name="직사각형 4">
             <a:extLst>
               <a:ext uri="{FF2B5EF4-FFF2-40B4-BE49-F238E27FC236}">
-                <a16:creationId xmlns:a16="http://schemas.microsoft.com/office/drawing/2014/main" id="{EF16855A-2136-4C67-B31D-B3CD00C7D9D9}"/>
+                <a16:creationId xmlns:a16="http://schemas.microsoft.com/office/drawing/2014/main" xmlns="" id="{EF16855A-2136-4C67-B31D-B3CD00C7D9D9}"/>
               </a:ext>
             </a:extLst>
           </p:cNvPr>
@@ -7860,7 +7860,7 @@
           <p:cNvPr id="2" name="직사각형 1">
             <a:extLst>
               <a:ext uri="{FF2B5EF4-FFF2-40B4-BE49-F238E27FC236}">
-                <a16:creationId xmlns:a16="http://schemas.microsoft.com/office/drawing/2014/main" id="{AE16E4CD-3B6B-4F59-A905-2E75CFC08212}"/>
+                <a16:creationId xmlns:a16="http://schemas.microsoft.com/office/drawing/2014/main" xmlns="" id="{AE16E4CD-3B6B-4F59-A905-2E75CFC08212}"/>
               </a:ext>
             </a:extLst>
           </p:cNvPr>
@@ -7915,7 +7915,7 @@
           <p:cNvPr id="3" name="직사각형 2">
             <a:extLst>
               <a:ext uri="{FF2B5EF4-FFF2-40B4-BE49-F238E27FC236}">
-                <a16:creationId xmlns:a16="http://schemas.microsoft.com/office/drawing/2014/main" id="{A18C7189-E022-4213-B266-144EBF69DD33}"/>
+                <a16:creationId xmlns:a16="http://schemas.microsoft.com/office/drawing/2014/main" xmlns="" id="{A18C7189-E022-4213-B266-144EBF69DD33}"/>
               </a:ext>
             </a:extLst>
           </p:cNvPr>
@@ -7968,7 +7968,7 @@
           <p:cNvPr id="4" name="직사각형 3">
             <a:extLst>
               <a:ext uri="{FF2B5EF4-FFF2-40B4-BE49-F238E27FC236}">
-                <a16:creationId xmlns:a16="http://schemas.microsoft.com/office/drawing/2014/main" id="{4C8A91B9-2A55-432E-B468-6D97B47789F1}"/>
+                <a16:creationId xmlns:a16="http://schemas.microsoft.com/office/drawing/2014/main" xmlns="" id="{4C8A91B9-2A55-432E-B468-6D97B47789F1}"/>
               </a:ext>
             </a:extLst>
           </p:cNvPr>
@@ -8025,7 +8025,7 @@
           <p:cNvPr id="5" name="직사각형 4">
             <a:extLst>
               <a:ext uri="{FF2B5EF4-FFF2-40B4-BE49-F238E27FC236}">
-                <a16:creationId xmlns:a16="http://schemas.microsoft.com/office/drawing/2014/main" id="{DB781E5E-FE39-40E3-A572-54EFEB0980A1}"/>
+                <a16:creationId xmlns:a16="http://schemas.microsoft.com/office/drawing/2014/main" xmlns="" id="{DB781E5E-FE39-40E3-A572-54EFEB0980A1}"/>
               </a:ext>
             </a:extLst>
           </p:cNvPr>
@@ -8082,7 +8082,7 @@
           <p:cNvPr id="6" name="직사각형 5">
             <a:extLst>
               <a:ext uri="{FF2B5EF4-FFF2-40B4-BE49-F238E27FC236}">
-                <a16:creationId xmlns:a16="http://schemas.microsoft.com/office/drawing/2014/main" id="{4DC8CFE3-187A-4602-8CF2-660EF5A2D959}"/>
+                <a16:creationId xmlns:a16="http://schemas.microsoft.com/office/drawing/2014/main" xmlns="" id="{4DC8CFE3-187A-4602-8CF2-660EF5A2D959}"/>
               </a:ext>
             </a:extLst>
           </p:cNvPr>
@@ -8139,7 +8139,7 @@
           <p:cNvPr id="7" name="직사각형 6">
             <a:extLst>
               <a:ext uri="{FF2B5EF4-FFF2-40B4-BE49-F238E27FC236}">
-                <a16:creationId xmlns:a16="http://schemas.microsoft.com/office/drawing/2014/main" id="{44D3C8F9-BEDB-47F0-BE37-22F3D5BB8108}"/>
+                <a16:creationId xmlns:a16="http://schemas.microsoft.com/office/drawing/2014/main" xmlns="" id="{44D3C8F9-BEDB-47F0-BE37-22F3D5BB8108}"/>
               </a:ext>
             </a:extLst>
           </p:cNvPr>
@@ -8211,7 +8211,7 @@
           <p:cNvPr id="8" name="직사각형 7">
             <a:extLst>
               <a:ext uri="{FF2B5EF4-FFF2-40B4-BE49-F238E27FC236}">
-                <a16:creationId xmlns:a16="http://schemas.microsoft.com/office/drawing/2014/main" id="{6CA1696E-5670-4494-8FDC-B542A7EA0334}"/>
+                <a16:creationId xmlns:a16="http://schemas.microsoft.com/office/drawing/2014/main" xmlns="" id="{6CA1696E-5670-4494-8FDC-B542A7EA0334}"/>
               </a:ext>
             </a:extLst>
           </p:cNvPr>
@@ -8298,7 +8298,7 @@
           <p:cNvPr id="2" name="직사각형 1">
             <a:extLst>
               <a:ext uri="{FF2B5EF4-FFF2-40B4-BE49-F238E27FC236}">
-                <a16:creationId xmlns:a16="http://schemas.microsoft.com/office/drawing/2014/main" id="{F967B7BD-644B-49BC-B8ED-0B9B798267D3}"/>
+                <a16:creationId xmlns:a16="http://schemas.microsoft.com/office/drawing/2014/main" xmlns="" id="{F967B7BD-644B-49BC-B8ED-0B9B798267D3}"/>
               </a:ext>
             </a:extLst>
           </p:cNvPr>
@@ -8353,7 +8353,7 @@
           <p:cNvPr id="3" name="직사각형 2">
             <a:extLst>
               <a:ext uri="{FF2B5EF4-FFF2-40B4-BE49-F238E27FC236}">
-                <a16:creationId xmlns:a16="http://schemas.microsoft.com/office/drawing/2014/main" id="{4DEC405D-74C7-49F4-9912-10E2D317CFB6}"/>
+                <a16:creationId xmlns:a16="http://schemas.microsoft.com/office/drawing/2014/main" xmlns="" id="{4DEC405D-74C7-49F4-9912-10E2D317CFB6}"/>
               </a:ext>
             </a:extLst>
           </p:cNvPr>
@@ -8465,7 +8465,7 @@
           <p:cNvPr id="5" name="직사각형 4">
             <a:extLst>
               <a:ext uri="{FF2B5EF4-FFF2-40B4-BE49-F238E27FC236}">
-                <a16:creationId xmlns:a16="http://schemas.microsoft.com/office/drawing/2014/main" id="{B645579D-DE29-4518-A5F5-C903C841F7C8}"/>
+                <a16:creationId xmlns:a16="http://schemas.microsoft.com/office/drawing/2014/main" xmlns="" id="{B645579D-DE29-4518-A5F5-C903C841F7C8}"/>
               </a:ext>
             </a:extLst>
           </p:cNvPr>
@@ -8513,7 +8513,7 @@
           <p:cNvPr id="6" name="직사각형 5">
             <a:extLst>
               <a:ext uri="{FF2B5EF4-FFF2-40B4-BE49-F238E27FC236}">
-                <a16:creationId xmlns:a16="http://schemas.microsoft.com/office/drawing/2014/main" id="{24D02816-E5E4-421E-89D7-B7E1B74E610E}"/>
+                <a16:creationId xmlns:a16="http://schemas.microsoft.com/office/drawing/2014/main" xmlns="" id="{24D02816-E5E4-421E-89D7-B7E1B74E610E}"/>
               </a:ext>
             </a:extLst>
           </p:cNvPr>
@@ -8568,7 +8568,7 @@
           <p:cNvPr id="10" name="직사각형 9">
             <a:extLst>
               <a:ext uri="{FF2B5EF4-FFF2-40B4-BE49-F238E27FC236}">
-                <a16:creationId xmlns:a16="http://schemas.microsoft.com/office/drawing/2014/main" id="{A7E46D4C-67BE-454F-B4E7-79DCD678F9DE}"/>
+                <a16:creationId xmlns:a16="http://schemas.microsoft.com/office/drawing/2014/main" xmlns="" id="{A7E46D4C-67BE-454F-B4E7-79DCD678F9DE}"/>
               </a:ext>
             </a:extLst>
           </p:cNvPr>
@@ -8622,7 +8622,7 @@
           <p:cNvPr id="7" name="직사각형 6">
             <a:extLst>
               <a:ext uri="{FF2B5EF4-FFF2-40B4-BE49-F238E27FC236}">
-                <a16:creationId xmlns:a16="http://schemas.microsoft.com/office/drawing/2014/main" id="{CD4B7C56-620A-4133-B781-04B52782FE65}"/>
+                <a16:creationId xmlns:a16="http://schemas.microsoft.com/office/drawing/2014/main" xmlns="" id="{CD4B7C56-620A-4133-B781-04B52782FE65}"/>
               </a:ext>
             </a:extLst>
           </p:cNvPr>
@@ -8674,7 +8674,7 @@
           <p:cNvPr id="9" name="직사각형 8">
             <a:extLst>
               <a:ext uri="{FF2B5EF4-FFF2-40B4-BE49-F238E27FC236}">
-                <a16:creationId xmlns:a16="http://schemas.microsoft.com/office/drawing/2014/main" id="{2A4D0FF2-08E9-40A0-86FE-08EBD719EF60}"/>
+                <a16:creationId xmlns:a16="http://schemas.microsoft.com/office/drawing/2014/main" xmlns="" id="{2A4D0FF2-08E9-40A0-86FE-08EBD719EF60}"/>
               </a:ext>
             </a:extLst>
           </p:cNvPr>
@@ -8731,7 +8731,7 @@
           <p:cNvPr id="14" name="직사각형 13">
             <a:extLst>
               <a:ext uri="{FF2B5EF4-FFF2-40B4-BE49-F238E27FC236}">
-                <a16:creationId xmlns:a16="http://schemas.microsoft.com/office/drawing/2014/main" id="{7FF01D10-7150-4AB0-9F1E-485D74B4BA6A}"/>
+                <a16:creationId xmlns:a16="http://schemas.microsoft.com/office/drawing/2014/main" xmlns="" id="{7FF01D10-7150-4AB0-9F1E-485D74B4BA6A}"/>
               </a:ext>
             </a:extLst>
           </p:cNvPr>
@@ -8785,7 +8785,7 @@
           <p:cNvPr id="15" name="직사각형 14">
             <a:extLst>
               <a:ext uri="{FF2B5EF4-FFF2-40B4-BE49-F238E27FC236}">
-                <a16:creationId xmlns:a16="http://schemas.microsoft.com/office/drawing/2014/main" id="{1A6672B6-10BB-4935-B93B-E732487FE099}"/>
+                <a16:creationId xmlns:a16="http://schemas.microsoft.com/office/drawing/2014/main" xmlns="" id="{1A6672B6-10BB-4935-B93B-E732487FE099}"/>
               </a:ext>
             </a:extLst>
           </p:cNvPr>
@@ -8837,7 +8837,7 @@
           <p:cNvPr id="16" name="직사각형 15">
             <a:extLst>
               <a:ext uri="{FF2B5EF4-FFF2-40B4-BE49-F238E27FC236}">
-                <a16:creationId xmlns:a16="http://schemas.microsoft.com/office/drawing/2014/main" id="{6D9D23C1-BB60-43C3-B038-7A6190722437}"/>
+                <a16:creationId xmlns:a16="http://schemas.microsoft.com/office/drawing/2014/main" xmlns="" id="{6D9D23C1-BB60-43C3-B038-7A6190722437}"/>
               </a:ext>
             </a:extLst>
           </p:cNvPr>
@@ -8889,7 +8889,7 @@
           <p:cNvPr id="17" name="직사각형 16">
             <a:extLst>
               <a:ext uri="{FF2B5EF4-FFF2-40B4-BE49-F238E27FC236}">
-                <a16:creationId xmlns:a16="http://schemas.microsoft.com/office/drawing/2014/main" id="{B67BCD95-71CB-487E-89D7-A53C07AF0E61}"/>
+                <a16:creationId xmlns:a16="http://schemas.microsoft.com/office/drawing/2014/main" xmlns="" id="{B67BCD95-71CB-487E-89D7-A53C07AF0E61}"/>
               </a:ext>
             </a:extLst>
           </p:cNvPr>
@@ -8945,7 +8945,7 @@
           <p:cNvPr id="18" name="직사각형 17">
             <a:extLst>
               <a:ext uri="{FF2B5EF4-FFF2-40B4-BE49-F238E27FC236}">
-                <a16:creationId xmlns:a16="http://schemas.microsoft.com/office/drawing/2014/main" id="{6DABD487-B9BA-4CE3-8870-FE52C8DA790E}"/>
+                <a16:creationId xmlns:a16="http://schemas.microsoft.com/office/drawing/2014/main" xmlns="" id="{6DABD487-B9BA-4CE3-8870-FE52C8DA790E}"/>
               </a:ext>
             </a:extLst>
           </p:cNvPr>
@@ -9029,7 +9029,7 @@
           <p:cNvPr id="2" name="직사각형 1">
             <a:extLst>
               <a:ext uri="{FF2B5EF4-FFF2-40B4-BE49-F238E27FC236}">
-                <a16:creationId xmlns:a16="http://schemas.microsoft.com/office/drawing/2014/main" id="{9B9343DE-01B5-49CA-971E-6C3924B345FC}"/>
+                <a16:creationId xmlns:a16="http://schemas.microsoft.com/office/drawing/2014/main" xmlns="" id="{9B9343DE-01B5-49CA-971E-6C3924B345FC}"/>
               </a:ext>
             </a:extLst>
           </p:cNvPr>
@@ -9154,7 +9154,7 @@
           <p:cNvPr id="3" name="직사각형 2">
             <a:extLst>
               <a:ext uri="{FF2B5EF4-FFF2-40B4-BE49-F238E27FC236}">
-                <a16:creationId xmlns:a16="http://schemas.microsoft.com/office/drawing/2014/main" id="{1DE7AE13-8353-4270-9A08-614DE9DEA13E}"/>
+                <a16:creationId xmlns:a16="http://schemas.microsoft.com/office/drawing/2014/main" xmlns="" id="{1DE7AE13-8353-4270-9A08-614DE9DEA13E}"/>
               </a:ext>
             </a:extLst>
           </p:cNvPr>
@@ -9209,7 +9209,7 @@
           <p:cNvPr id="4" name="직사각형 3">
             <a:extLst>
               <a:ext uri="{FF2B5EF4-FFF2-40B4-BE49-F238E27FC236}">
-                <a16:creationId xmlns:a16="http://schemas.microsoft.com/office/drawing/2014/main" id="{D6AD4EFA-D612-400D-83E3-B5293C447598}"/>
+                <a16:creationId xmlns:a16="http://schemas.microsoft.com/office/drawing/2014/main" xmlns="" id="{D6AD4EFA-D612-400D-83E3-B5293C447598}"/>
               </a:ext>
             </a:extLst>
           </p:cNvPr>
@@ -9302,7 +9302,7 @@
           <p:cNvPr id="5" name="직사각형 4">
             <a:extLst>
               <a:ext uri="{FF2B5EF4-FFF2-40B4-BE49-F238E27FC236}">
-                <a16:creationId xmlns:a16="http://schemas.microsoft.com/office/drawing/2014/main" id="{4AEBE3DC-A12D-422D-83DF-8D60B065127D}"/>
+                <a16:creationId xmlns:a16="http://schemas.microsoft.com/office/drawing/2014/main" xmlns="" id="{4AEBE3DC-A12D-422D-83DF-8D60B065127D}"/>
               </a:ext>
             </a:extLst>
           </p:cNvPr>
@@ -9366,7 +9366,7 @@
           <p:cNvPr id="6" name="직사각형 5">
             <a:extLst>
               <a:ext uri="{FF2B5EF4-FFF2-40B4-BE49-F238E27FC236}">
-                <a16:creationId xmlns:a16="http://schemas.microsoft.com/office/drawing/2014/main" id="{3F50C5D9-58F0-462A-B0ED-E38D3C150208}"/>
+                <a16:creationId xmlns:a16="http://schemas.microsoft.com/office/drawing/2014/main" xmlns="" id="{3F50C5D9-58F0-462A-B0ED-E38D3C150208}"/>
               </a:ext>
             </a:extLst>
           </p:cNvPr>
@@ -9430,7 +9430,7 @@
           <p:cNvPr id="7" name="직사각형 6">
             <a:extLst>
               <a:ext uri="{FF2B5EF4-FFF2-40B4-BE49-F238E27FC236}">
-                <a16:creationId xmlns:a16="http://schemas.microsoft.com/office/drawing/2014/main" id="{A867F719-0E58-4D3D-B29F-83EC39721CCA}"/>
+                <a16:creationId xmlns:a16="http://schemas.microsoft.com/office/drawing/2014/main" xmlns="" id="{A867F719-0E58-4D3D-B29F-83EC39721CCA}"/>
               </a:ext>
             </a:extLst>
           </p:cNvPr>
@@ -9521,7 +9521,7 @@
           <p:cNvPr id="4" name="직사각형 3">
             <a:extLst>
               <a:ext uri="{FF2B5EF4-FFF2-40B4-BE49-F238E27FC236}">
-                <a16:creationId xmlns:a16="http://schemas.microsoft.com/office/drawing/2014/main" id="{70E5F482-BFF0-4D76-9CFC-0D91CFEC0E3C}"/>
+                <a16:creationId xmlns:a16="http://schemas.microsoft.com/office/drawing/2014/main" xmlns="" id="{70E5F482-BFF0-4D76-9CFC-0D91CFEC0E3C}"/>
               </a:ext>
             </a:extLst>
           </p:cNvPr>
@@ -9649,7 +9649,7 @@
           <p:cNvPr id="5" name="직사각형 4">
             <a:extLst>
               <a:ext uri="{FF2B5EF4-FFF2-40B4-BE49-F238E27FC236}">
-                <a16:creationId xmlns:a16="http://schemas.microsoft.com/office/drawing/2014/main" id="{1BD66A91-CCFE-4442-B2C2-3F69FBB59972}"/>
+                <a16:creationId xmlns:a16="http://schemas.microsoft.com/office/drawing/2014/main" xmlns="" id="{1BD66A91-CCFE-4442-B2C2-3F69FBB59972}"/>
               </a:ext>
             </a:extLst>
           </p:cNvPr>
@@ -9704,7 +9704,7 @@
           <p:cNvPr id="8" name="직사각형 7">
             <a:extLst>
               <a:ext uri="{FF2B5EF4-FFF2-40B4-BE49-F238E27FC236}">
-                <a16:creationId xmlns:a16="http://schemas.microsoft.com/office/drawing/2014/main" id="{1D706423-9A23-47A3-938C-3460D6667B81}"/>
+                <a16:creationId xmlns:a16="http://schemas.microsoft.com/office/drawing/2014/main" xmlns="" id="{1D706423-9A23-47A3-938C-3460D6667B81}"/>
               </a:ext>
             </a:extLst>
           </p:cNvPr>
@@ -9753,7 +9753,7 @@
           <p:cNvPr id="7" name="직사각형 6">
             <a:extLst>
               <a:ext uri="{FF2B5EF4-FFF2-40B4-BE49-F238E27FC236}">
-                <a16:creationId xmlns:a16="http://schemas.microsoft.com/office/drawing/2014/main" id="{C2BCBE55-8C06-4A05-AC8D-005F63747479}"/>
+                <a16:creationId xmlns:a16="http://schemas.microsoft.com/office/drawing/2014/main" xmlns="" id="{C2BCBE55-8C06-4A05-AC8D-005F63747479}"/>
               </a:ext>
             </a:extLst>
           </p:cNvPr>
@@ -9805,7 +9805,7 @@
           <p:cNvPr id="10" name="직사각형 9">
             <a:extLst>
               <a:ext uri="{FF2B5EF4-FFF2-40B4-BE49-F238E27FC236}">
-                <a16:creationId xmlns:a16="http://schemas.microsoft.com/office/drawing/2014/main" id="{593DB5A2-57DC-4999-9978-A9060BFE0556}"/>
+                <a16:creationId xmlns:a16="http://schemas.microsoft.com/office/drawing/2014/main" xmlns="" id="{593DB5A2-57DC-4999-9978-A9060BFE0556}"/>
               </a:ext>
             </a:extLst>
           </p:cNvPr>
@@ -9861,7 +9861,7 @@
           <p:cNvPr id="12" name="직사각형 11">
             <a:extLst>
               <a:ext uri="{FF2B5EF4-FFF2-40B4-BE49-F238E27FC236}">
-                <a16:creationId xmlns:a16="http://schemas.microsoft.com/office/drawing/2014/main" id="{3374748A-E085-40A3-A955-6A34630ADAF5}"/>
+                <a16:creationId xmlns:a16="http://schemas.microsoft.com/office/drawing/2014/main" xmlns="" id="{3374748A-E085-40A3-A955-6A34630ADAF5}"/>
               </a:ext>
             </a:extLst>
           </p:cNvPr>
@@ -9917,7 +9917,7 @@
           <p:cNvPr id="16" name="직사각형 15">
             <a:extLst>
               <a:ext uri="{FF2B5EF4-FFF2-40B4-BE49-F238E27FC236}">
-                <a16:creationId xmlns:a16="http://schemas.microsoft.com/office/drawing/2014/main" id="{A454193B-32BD-4236-8D8D-4F28EFFD38B5}"/>
+                <a16:creationId xmlns:a16="http://schemas.microsoft.com/office/drawing/2014/main" xmlns="" id="{A454193B-32BD-4236-8D8D-4F28EFFD38B5}"/>
               </a:ext>
             </a:extLst>
           </p:cNvPr>
@@ -9973,7 +9973,7 @@
           <p:cNvPr id="18" name="직사각형 17">
             <a:extLst>
               <a:ext uri="{FF2B5EF4-FFF2-40B4-BE49-F238E27FC236}">
-                <a16:creationId xmlns:a16="http://schemas.microsoft.com/office/drawing/2014/main" id="{34DF9EC8-2A56-4D08-9921-79F58D9F4CC0}"/>
+                <a16:creationId xmlns:a16="http://schemas.microsoft.com/office/drawing/2014/main" xmlns="" id="{34DF9EC8-2A56-4D08-9921-79F58D9F4CC0}"/>
               </a:ext>
             </a:extLst>
           </p:cNvPr>
@@ -10030,7 +10030,7 @@
           <p:cNvPr id="22" name="직사각형 21">
             <a:extLst>
               <a:ext uri="{FF2B5EF4-FFF2-40B4-BE49-F238E27FC236}">
-                <a16:creationId xmlns:a16="http://schemas.microsoft.com/office/drawing/2014/main" id="{F38BE488-88AA-4EEA-B5A7-E01F0160F25D}"/>
+                <a16:creationId xmlns:a16="http://schemas.microsoft.com/office/drawing/2014/main" xmlns="" id="{F38BE488-88AA-4EEA-B5A7-E01F0160F25D}"/>
               </a:ext>
             </a:extLst>
           </p:cNvPr>
@@ -10086,7 +10086,7 @@
           <p:cNvPr id="23" name="직사각형 22">
             <a:extLst>
               <a:ext uri="{FF2B5EF4-FFF2-40B4-BE49-F238E27FC236}">
-                <a16:creationId xmlns:a16="http://schemas.microsoft.com/office/drawing/2014/main" id="{0C31F1ED-ABB5-408A-A19D-CDA4F26096B2}"/>
+                <a16:creationId xmlns:a16="http://schemas.microsoft.com/office/drawing/2014/main" xmlns="" id="{0C31F1ED-ABB5-408A-A19D-CDA4F26096B2}"/>
               </a:ext>
             </a:extLst>
           </p:cNvPr>
@@ -10142,7 +10142,7 @@
           <p:cNvPr id="24" name="직사각형 23">
             <a:extLst>
               <a:ext uri="{FF2B5EF4-FFF2-40B4-BE49-F238E27FC236}">
-                <a16:creationId xmlns:a16="http://schemas.microsoft.com/office/drawing/2014/main" id="{6B9D913B-6A6F-4958-8752-04E195B81224}"/>
+                <a16:creationId xmlns:a16="http://schemas.microsoft.com/office/drawing/2014/main" xmlns="" id="{6B9D913B-6A6F-4958-8752-04E195B81224}"/>
               </a:ext>
             </a:extLst>
           </p:cNvPr>
@@ -10198,7 +10198,7 @@
           <p:cNvPr id="36" name="직사각형 35">
             <a:extLst>
               <a:ext uri="{FF2B5EF4-FFF2-40B4-BE49-F238E27FC236}">
-                <a16:creationId xmlns:a16="http://schemas.microsoft.com/office/drawing/2014/main" id="{9FA09581-5D17-4309-A6D4-89E89628D18E}"/>
+                <a16:creationId xmlns:a16="http://schemas.microsoft.com/office/drawing/2014/main" xmlns="" id="{9FA09581-5D17-4309-A6D4-89E89628D18E}"/>
               </a:ext>
             </a:extLst>
           </p:cNvPr>
@@ -10254,7 +10254,7 @@
           <p:cNvPr id="37" name="직사각형 36">
             <a:extLst>
               <a:ext uri="{FF2B5EF4-FFF2-40B4-BE49-F238E27FC236}">
-                <a16:creationId xmlns:a16="http://schemas.microsoft.com/office/drawing/2014/main" id="{9C1930DA-60F4-41A7-908B-44F19C005E20}"/>
+                <a16:creationId xmlns:a16="http://schemas.microsoft.com/office/drawing/2014/main" xmlns="" id="{9C1930DA-60F4-41A7-908B-44F19C005E20}"/>
               </a:ext>
             </a:extLst>
           </p:cNvPr>
@@ -10310,7 +10310,7 @@
           <p:cNvPr id="38" name="직사각형 37">
             <a:extLst>
               <a:ext uri="{FF2B5EF4-FFF2-40B4-BE49-F238E27FC236}">
-                <a16:creationId xmlns:a16="http://schemas.microsoft.com/office/drawing/2014/main" id="{B8BB1A05-4407-47B6-987A-FC92FB28C1F9}"/>
+                <a16:creationId xmlns:a16="http://schemas.microsoft.com/office/drawing/2014/main" xmlns="" id="{B8BB1A05-4407-47B6-987A-FC92FB28C1F9}"/>
               </a:ext>
             </a:extLst>
           </p:cNvPr>
@@ -10366,7 +10366,7 @@
           <p:cNvPr id="40" name="TextBox 39">
             <a:extLst>
               <a:ext uri="{FF2B5EF4-FFF2-40B4-BE49-F238E27FC236}">
-                <a16:creationId xmlns:a16="http://schemas.microsoft.com/office/drawing/2014/main" id="{F7C04D9E-CBA3-4733-8D6B-4D54CAE59DA1}"/>
+                <a16:creationId xmlns:a16="http://schemas.microsoft.com/office/drawing/2014/main" xmlns="" id="{F7C04D9E-CBA3-4733-8D6B-4D54CAE59DA1}"/>
               </a:ext>
             </a:extLst>
           </p:cNvPr>
@@ -10445,7 +10445,7 @@
           <p:cNvPr id="43" name="TextBox 42">
             <a:extLst>
               <a:ext uri="{FF2B5EF4-FFF2-40B4-BE49-F238E27FC236}">
-                <a16:creationId xmlns:a16="http://schemas.microsoft.com/office/drawing/2014/main" id="{E5E7B801-4984-43CB-98FC-AA56D651CC70}"/>
+                <a16:creationId xmlns:a16="http://schemas.microsoft.com/office/drawing/2014/main" xmlns="" id="{E5E7B801-4984-43CB-98FC-AA56D651CC70}"/>
               </a:ext>
             </a:extLst>
           </p:cNvPr>
@@ -10492,7 +10492,7 @@
           <p:cNvPr id="44" name="TextBox 43">
             <a:extLst>
               <a:ext uri="{FF2B5EF4-FFF2-40B4-BE49-F238E27FC236}">
-                <a16:creationId xmlns:a16="http://schemas.microsoft.com/office/drawing/2014/main" id="{F8B59865-FAB7-4A1D-9D07-9012E1EB1522}"/>
+                <a16:creationId xmlns:a16="http://schemas.microsoft.com/office/drawing/2014/main" xmlns="" id="{F8B59865-FAB7-4A1D-9D07-9012E1EB1522}"/>
               </a:ext>
             </a:extLst>
           </p:cNvPr>
@@ -10539,7 +10539,7 @@
           <p:cNvPr id="47" name="TextBox 46">
             <a:extLst>
               <a:ext uri="{FF2B5EF4-FFF2-40B4-BE49-F238E27FC236}">
-                <a16:creationId xmlns:a16="http://schemas.microsoft.com/office/drawing/2014/main" id="{8B51B816-C43D-4B08-97BD-C988E26958A9}"/>
+                <a16:creationId xmlns:a16="http://schemas.microsoft.com/office/drawing/2014/main" xmlns="" id="{8B51B816-C43D-4B08-97BD-C988E26958A9}"/>
               </a:ext>
             </a:extLst>
           </p:cNvPr>
@@ -10586,7 +10586,7 @@
           <p:cNvPr id="49" name="직사각형 48">
             <a:extLst>
               <a:ext uri="{FF2B5EF4-FFF2-40B4-BE49-F238E27FC236}">
-                <a16:creationId xmlns:a16="http://schemas.microsoft.com/office/drawing/2014/main" id="{847B6119-D9A5-47DF-B3ED-875840408A5B}"/>
+                <a16:creationId xmlns:a16="http://schemas.microsoft.com/office/drawing/2014/main" xmlns="" id="{847B6119-D9A5-47DF-B3ED-875840408A5B}"/>
               </a:ext>
             </a:extLst>
           </p:cNvPr>
@@ -10638,7 +10638,7 @@
           <p:cNvPr id="25" name="직사각형 24">
             <a:extLst>
               <a:ext uri="{FF2B5EF4-FFF2-40B4-BE49-F238E27FC236}">
-                <a16:creationId xmlns:a16="http://schemas.microsoft.com/office/drawing/2014/main" id="{9613FF44-F00D-4229-97BE-7373DB8F1581}"/>
+                <a16:creationId xmlns:a16="http://schemas.microsoft.com/office/drawing/2014/main" xmlns="" id="{9613FF44-F00D-4229-97BE-7373DB8F1581}"/>
               </a:ext>
             </a:extLst>
           </p:cNvPr>
@@ -10694,7 +10694,7 @@
           <p:cNvPr id="27" name="TextBox 26">
             <a:extLst>
               <a:ext uri="{FF2B5EF4-FFF2-40B4-BE49-F238E27FC236}">
-                <a16:creationId xmlns:a16="http://schemas.microsoft.com/office/drawing/2014/main" id="{64E6059A-C46E-4826-ADB9-7AD83DB63BEE}"/>
+                <a16:creationId xmlns:a16="http://schemas.microsoft.com/office/drawing/2014/main" xmlns="" id="{64E6059A-C46E-4826-ADB9-7AD83DB63BEE}"/>
               </a:ext>
             </a:extLst>
           </p:cNvPr>
@@ -10757,7 +10757,7 @@
           <p:cNvPr id="28" name="직사각형 27">
             <a:extLst>
               <a:ext uri="{FF2B5EF4-FFF2-40B4-BE49-F238E27FC236}">
-                <a16:creationId xmlns:a16="http://schemas.microsoft.com/office/drawing/2014/main" id="{7F2BA886-479C-4758-9C23-5863FD139093}"/>
+                <a16:creationId xmlns:a16="http://schemas.microsoft.com/office/drawing/2014/main" xmlns="" id="{7F2BA886-479C-4758-9C23-5863FD139093}"/>
               </a:ext>
             </a:extLst>
           </p:cNvPr>
@@ -10813,7 +10813,7 @@
           <p:cNvPr id="29" name="직사각형 28">
             <a:extLst>
               <a:ext uri="{FF2B5EF4-FFF2-40B4-BE49-F238E27FC236}">
-                <a16:creationId xmlns:a16="http://schemas.microsoft.com/office/drawing/2014/main" id="{7BEF3C7C-6947-4E40-AA73-DC212715E2B0}"/>
+                <a16:creationId xmlns:a16="http://schemas.microsoft.com/office/drawing/2014/main" xmlns="" id="{7BEF3C7C-6947-4E40-AA73-DC212715E2B0}"/>
               </a:ext>
             </a:extLst>
           </p:cNvPr>
@@ -10866,7 +10866,7 @@
           <p:cNvPr id="31" name="직사각형 30">
             <a:extLst>
               <a:ext uri="{FF2B5EF4-FFF2-40B4-BE49-F238E27FC236}">
-                <a16:creationId xmlns:a16="http://schemas.microsoft.com/office/drawing/2014/main" id="{5FC5DF8B-9580-42FB-817E-D09F74F5EE36}"/>
+                <a16:creationId xmlns:a16="http://schemas.microsoft.com/office/drawing/2014/main" xmlns="" id="{5FC5DF8B-9580-42FB-817E-D09F74F5EE36}"/>
               </a:ext>
             </a:extLst>
           </p:cNvPr>
@@ -10918,7 +10918,7 @@
           <p:cNvPr id="33" name="TextBox 32">
             <a:extLst>
               <a:ext uri="{FF2B5EF4-FFF2-40B4-BE49-F238E27FC236}">
-                <a16:creationId xmlns:a16="http://schemas.microsoft.com/office/drawing/2014/main" id="{D30ADD4B-01B7-4E1C-8D66-654193D046D5}"/>
+                <a16:creationId xmlns:a16="http://schemas.microsoft.com/office/drawing/2014/main" xmlns="" id="{D30ADD4B-01B7-4E1C-8D66-654193D046D5}"/>
               </a:ext>
             </a:extLst>
           </p:cNvPr>
@@ -10995,7 +10995,7 @@
           <p:cNvPr id="2" name="직사각형 1">
             <a:extLst>
               <a:ext uri="{FF2B5EF4-FFF2-40B4-BE49-F238E27FC236}">
-                <a16:creationId xmlns:a16="http://schemas.microsoft.com/office/drawing/2014/main" id="{D670663B-C062-4D80-AA1F-F5806A8291FF}"/>
+                <a16:creationId xmlns:a16="http://schemas.microsoft.com/office/drawing/2014/main" xmlns="" id="{D670663B-C062-4D80-AA1F-F5806A8291FF}"/>
               </a:ext>
             </a:extLst>
           </p:cNvPr>
@@ -11050,7 +11050,7 @@
           <p:cNvPr id="3" name="직사각형 2">
             <a:extLst>
               <a:ext uri="{FF2B5EF4-FFF2-40B4-BE49-F238E27FC236}">
-                <a16:creationId xmlns:a16="http://schemas.microsoft.com/office/drawing/2014/main" id="{C769E097-6A37-4201-AA1A-F3C38ABFA581}"/>
+                <a16:creationId xmlns:a16="http://schemas.microsoft.com/office/drawing/2014/main" xmlns="" id="{C769E097-6A37-4201-AA1A-F3C38ABFA581}"/>
               </a:ext>
             </a:extLst>
           </p:cNvPr>
@@ -11242,7 +11242,7 @@
           <p:cNvPr id="14" name="직사각형 13">
             <a:extLst>
               <a:ext uri="{FF2B5EF4-FFF2-40B4-BE49-F238E27FC236}">
-                <a16:creationId xmlns:a16="http://schemas.microsoft.com/office/drawing/2014/main" id="{9FCACEA7-4D5B-4CA4-864F-F822B4364FD7}"/>
+                <a16:creationId xmlns:a16="http://schemas.microsoft.com/office/drawing/2014/main" xmlns="" id="{9FCACEA7-4D5B-4CA4-864F-F822B4364FD7}"/>
               </a:ext>
             </a:extLst>
           </p:cNvPr>
@@ -11296,7 +11296,7 @@
           <p:cNvPr id="4" name="직사각형 3">
             <a:extLst>
               <a:ext uri="{FF2B5EF4-FFF2-40B4-BE49-F238E27FC236}">
-                <a16:creationId xmlns:a16="http://schemas.microsoft.com/office/drawing/2014/main" id="{F9541B1B-E75D-458D-B3D6-45A833B81256}"/>
+                <a16:creationId xmlns:a16="http://schemas.microsoft.com/office/drawing/2014/main" xmlns="" id="{F9541B1B-E75D-458D-B3D6-45A833B81256}"/>
               </a:ext>
             </a:extLst>
           </p:cNvPr>
@@ -11357,7 +11357,7 @@
           <p:cNvPr id="7" name="직사각형 6">
             <a:extLst>
               <a:ext uri="{FF2B5EF4-FFF2-40B4-BE49-F238E27FC236}">
-                <a16:creationId xmlns:a16="http://schemas.microsoft.com/office/drawing/2014/main" id="{EC8D0DE9-61E8-4907-B692-EF4AF23DC798}"/>
+                <a16:creationId xmlns:a16="http://schemas.microsoft.com/office/drawing/2014/main" xmlns="" id="{EC8D0DE9-61E8-4907-B692-EF4AF23DC798}"/>
               </a:ext>
             </a:extLst>
           </p:cNvPr>
@@ -11426,7 +11426,7 @@
           <p:cNvPr id="10" name="직사각형 9">
             <a:extLst>
               <a:ext uri="{FF2B5EF4-FFF2-40B4-BE49-F238E27FC236}">
-                <a16:creationId xmlns:a16="http://schemas.microsoft.com/office/drawing/2014/main" id="{84B65C4F-6D92-457B-93B3-ED52D61CAE82}"/>
+                <a16:creationId xmlns:a16="http://schemas.microsoft.com/office/drawing/2014/main" xmlns="" id="{84B65C4F-6D92-457B-93B3-ED52D61CAE82}"/>
               </a:ext>
             </a:extLst>
           </p:cNvPr>
@@ -11494,7 +11494,7 @@
           <p:cNvPr id="11" name="직사각형 10">
             <a:extLst>
               <a:ext uri="{FF2B5EF4-FFF2-40B4-BE49-F238E27FC236}">
-                <a16:creationId xmlns:a16="http://schemas.microsoft.com/office/drawing/2014/main" id="{0700935F-179B-4CD6-9A82-6C98C6EE5C89}"/>
+                <a16:creationId xmlns:a16="http://schemas.microsoft.com/office/drawing/2014/main" xmlns="" id="{0700935F-179B-4CD6-9A82-6C98C6EE5C89}"/>
               </a:ext>
             </a:extLst>
           </p:cNvPr>
@@ -11563,7 +11563,7 @@
           <p:cNvPr id="12" name="직사각형 11">
             <a:extLst>
               <a:ext uri="{FF2B5EF4-FFF2-40B4-BE49-F238E27FC236}">
-                <a16:creationId xmlns:a16="http://schemas.microsoft.com/office/drawing/2014/main" id="{143D2A0C-5A0B-466B-B621-F107C3A5B290}"/>
+                <a16:creationId xmlns:a16="http://schemas.microsoft.com/office/drawing/2014/main" xmlns="" id="{143D2A0C-5A0B-466B-B621-F107C3A5B290}"/>
               </a:ext>
             </a:extLst>
           </p:cNvPr>
@@ -11632,7 +11632,7 @@
           <p:cNvPr id="13" name="직사각형 12">
             <a:extLst>
               <a:ext uri="{FF2B5EF4-FFF2-40B4-BE49-F238E27FC236}">
-                <a16:creationId xmlns:a16="http://schemas.microsoft.com/office/drawing/2014/main" id="{470AA575-FF26-489D-AE67-BF56B15AA9D4}"/>
+                <a16:creationId xmlns:a16="http://schemas.microsoft.com/office/drawing/2014/main" xmlns="" id="{470AA575-FF26-489D-AE67-BF56B15AA9D4}"/>
               </a:ext>
             </a:extLst>
           </p:cNvPr>
@@ -11701,7 +11701,7 @@
           <p:cNvPr id="24" name="직사각형 23">
             <a:extLst>
               <a:ext uri="{FF2B5EF4-FFF2-40B4-BE49-F238E27FC236}">
-                <a16:creationId xmlns:a16="http://schemas.microsoft.com/office/drawing/2014/main" id="{1E49B622-AC92-4D35-960F-020F9C0C0BFE}"/>
+                <a16:creationId xmlns:a16="http://schemas.microsoft.com/office/drawing/2014/main" xmlns="" id="{1E49B622-AC92-4D35-960F-020F9C0C0BFE}"/>
               </a:ext>
             </a:extLst>
           </p:cNvPr>
@@ -11755,7 +11755,7 @@
           <p:cNvPr id="25" name="직사각형 24">
             <a:extLst>
               <a:ext uri="{FF2B5EF4-FFF2-40B4-BE49-F238E27FC236}">
-                <a16:creationId xmlns:a16="http://schemas.microsoft.com/office/drawing/2014/main" id="{FA290105-1F08-4FD4-8334-9D87CD09CFFA}"/>
+                <a16:creationId xmlns:a16="http://schemas.microsoft.com/office/drawing/2014/main" xmlns="" id="{FA290105-1F08-4FD4-8334-9D87CD09CFFA}"/>
               </a:ext>
             </a:extLst>
           </p:cNvPr>
@@ -11824,7 +11824,7 @@
           <p:cNvPr id="26" name="직사각형 25">
             <a:extLst>
               <a:ext uri="{FF2B5EF4-FFF2-40B4-BE49-F238E27FC236}">
-                <a16:creationId xmlns:a16="http://schemas.microsoft.com/office/drawing/2014/main" id="{5127D9DD-1B47-4711-A854-C1D329EECDD5}"/>
+                <a16:creationId xmlns:a16="http://schemas.microsoft.com/office/drawing/2014/main" xmlns="" id="{5127D9DD-1B47-4711-A854-C1D329EECDD5}"/>
               </a:ext>
             </a:extLst>
           </p:cNvPr>
@@ -11885,7 +11885,7 @@
           <p:cNvPr id="28" name="직사각형 27">
             <a:extLst>
               <a:ext uri="{FF2B5EF4-FFF2-40B4-BE49-F238E27FC236}">
-                <a16:creationId xmlns:a16="http://schemas.microsoft.com/office/drawing/2014/main" id="{02CC82C3-A196-49EB-8E09-12CBA2988E3F}"/>
+                <a16:creationId xmlns:a16="http://schemas.microsoft.com/office/drawing/2014/main" xmlns="" id="{02CC82C3-A196-49EB-8E09-12CBA2988E3F}"/>
               </a:ext>
             </a:extLst>
           </p:cNvPr>
@@ -11953,7 +11953,7 @@
           <p:cNvPr id="29" name="직사각형 28">
             <a:extLst>
               <a:ext uri="{FF2B5EF4-FFF2-40B4-BE49-F238E27FC236}">
-                <a16:creationId xmlns:a16="http://schemas.microsoft.com/office/drawing/2014/main" id="{90EDC05E-A18F-4CA1-996C-898D98AA6FAC}"/>
+                <a16:creationId xmlns:a16="http://schemas.microsoft.com/office/drawing/2014/main" xmlns="" id="{90EDC05E-A18F-4CA1-996C-898D98AA6FAC}"/>
               </a:ext>
             </a:extLst>
           </p:cNvPr>
@@ -12022,7 +12022,7 @@
           <p:cNvPr id="30" name="직사각형 29">
             <a:extLst>
               <a:ext uri="{FF2B5EF4-FFF2-40B4-BE49-F238E27FC236}">
-                <a16:creationId xmlns:a16="http://schemas.microsoft.com/office/drawing/2014/main" id="{93FE29FD-BE64-4AF1-AAB1-12B89DC1DAB2}"/>
+                <a16:creationId xmlns:a16="http://schemas.microsoft.com/office/drawing/2014/main" xmlns="" id="{93FE29FD-BE64-4AF1-AAB1-12B89DC1DAB2}"/>
               </a:ext>
             </a:extLst>
           </p:cNvPr>
@@ -12091,7 +12091,7 @@
           <p:cNvPr id="31" name="직사각형 30">
             <a:extLst>
               <a:ext uri="{FF2B5EF4-FFF2-40B4-BE49-F238E27FC236}">
-                <a16:creationId xmlns:a16="http://schemas.microsoft.com/office/drawing/2014/main" id="{976510BF-B9C8-44E8-A82E-69A8385AA40D}"/>
+                <a16:creationId xmlns:a16="http://schemas.microsoft.com/office/drawing/2014/main" xmlns="" id="{976510BF-B9C8-44E8-A82E-69A8385AA40D}"/>
               </a:ext>
             </a:extLst>
           </p:cNvPr>
@@ -12160,7 +12160,7 @@
           <p:cNvPr id="32" name="직사각형 31">
             <a:extLst>
               <a:ext uri="{FF2B5EF4-FFF2-40B4-BE49-F238E27FC236}">
-                <a16:creationId xmlns:a16="http://schemas.microsoft.com/office/drawing/2014/main" id="{A02E450E-E18B-43A1-8A60-2EFE2F238E23}"/>
+                <a16:creationId xmlns:a16="http://schemas.microsoft.com/office/drawing/2014/main" xmlns="" id="{A02E450E-E18B-43A1-8A60-2EFE2F238E23}"/>
               </a:ext>
             </a:extLst>
           </p:cNvPr>
@@ -12259,7 +12259,7 @@
           <p:cNvPr id="5" name="그룹 4">
             <a:extLst>
               <a:ext uri="{FF2B5EF4-FFF2-40B4-BE49-F238E27FC236}">
-                <a16:creationId xmlns:a16="http://schemas.microsoft.com/office/drawing/2014/main" id="{92906B42-50F5-4C1E-AEA0-666D0CDF5E72}"/>
+                <a16:creationId xmlns:a16="http://schemas.microsoft.com/office/drawing/2014/main" xmlns="" id="{92906B42-50F5-4C1E-AEA0-666D0CDF5E72}"/>
               </a:ext>
             </a:extLst>
           </p:cNvPr>
@@ -12279,7 +12279,7 @@
             <p:cNvPr id="2" name="직사각형 1">
               <a:extLst>
                 <a:ext uri="{FF2B5EF4-FFF2-40B4-BE49-F238E27FC236}">
-                  <a16:creationId xmlns:a16="http://schemas.microsoft.com/office/drawing/2014/main" id="{B72A1106-0EEB-406D-88BB-9C914D7DEEAD}"/>
+                  <a16:creationId xmlns:a16="http://schemas.microsoft.com/office/drawing/2014/main" xmlns="" id="{B72A1106-0EEB-406D-88BB-9C914D7DEEAD}"/>
                 </a:ext>
               </a:extLst>
             </p:cNvPr>
@@ -12334,7 +12334,7 @@
             <p:cNvPr id="4" name="직사각형 3">
               <a:extLst>
                 <a:ext uri="{FF2B5EF4-FFF2-40B4-BE49-F238E27FC236}">
-                  <a16:creationId xmlns:a16="http://schemas.microsoft.com/office/drawing/2014/main" id="{1CA2AD84-73BA-4DE3-A797-2452B7C56732}"/>
+                  <a16:creationId xmlns:a16="http://schemas.microsoft.com/office/drawing/2014/main" xmlns="" id="{1CA2AD84-73BA-4DE3-A797-2452B7C56732}"/>
                 </a:ext>
               </a:extLst>
             </p:cNvPr>
@@ -12375,13 +12375,14 @@
             <a:p>
               <a:pPr algn="ctr"/>
               <a:r>
-                <a:rPr lang="en-US" altLang="ko-KR" dirty="0"/>
+                <a:rPr lang="en-US" altLang="ko-KR" dirty="0" smtClean="0"/>
                 <a:t>2) </a:t>
               </a:r>
               <a:r>
-                <a:rPr lang="ko-KR" altLang="en-US" dirty="0"/>
+                <a:rPr lang="ko-KR" altLang="en-US" dirty="0" smtClean="0"/>
                 <a:t>로고</a:t>
               </a:r>
+              <a:endParaRPr lang="ko-KR" altLang="en-US" dirty="0"/>
             </a:p>
           </p:txBody>
         </p:sp>
@@ -12390,7 +12391,7 @@
             <p:cNvPr id="6" name="직사각형 5">
               <a:extLst>
                 <a:ext uri="{FF2B5EF4-FFF2-40B4-BE49-F238E27FC236}">
-                  <a16:creationId xmlns:a16="http://schemas.microsoft.com/office/drawing/2014/main" id="{3E5EF0F5-F267-4253-894A-0AB6AF2496CD}"/>
+                  <a16:creationId xmlns:a16="http://schemas.microsoft.com/office/drawing/2014/main" xmlns="" id="{3E5EF0F5-F267-4253-894A-0AB6AF2496CD}"/>
                 </a:ext>
               </a:extLst>
             </p:cNvPr>
@@ -12446,7 +12447,7 @@
             <p:cNvPr id="7" name="직사각형 6">
               <a:extLst>
                 <a:ext uri="{FF2B5EF4-FFF2-40B4-BE49-F238E27FC236}">
-                  <a16:creationId xmlns:a16="http://schemas.microsoft.com/office/drawing/2014/main" id="{DD1EF373-AE7E-4CF5-9F8F-D9F1A5F567C4}"/>
+                  <a16:creationId xmlns:a16="http://schemas.microsoft.com/office/drawing/2014/main" xmlns="" id="{DD1EF373-AE7E-4CF5-9F8F-D9F1A5F567C4}"/>
                 </a:ext>
               </a:extLst>
             </p:cNvPr>
@@ -12501,7 +12502,7 @@
             <p:cNvPr id="8" name="직사각형 7">
               <a:extLst>
                 <a:ext uri="{FF2B5EF4-FFF2-40B4-BE49-F238E27FC236}">
-                  <a16:creationId xmlns:a16="http://schemas.microsoft.com/office/drawing/2014/main" id="{BADB3C00-AB8B-4889-A12A-393956DAFFCC}"/>
+                  <a16:creationId xmlns:a16="http://schemas.microsoft.com/office/drawing/2014/main" xmlns="" id="{BADB3C00-AB8B-4889-A12A-393956DAFFCC}"/>
                 </a:ext>
               </a:extLst>
             </p:cNvPr>
@@ -12556,7 +12557,7 @@
             <p:cNvPr id="9" name="직사각형 8">
               <a:extLst>
                 <a:ext uri="{FF2B5EF4-FFF2-40B4-BE49-F238E27FC236}">
-                  <a16:creationId xmlns:a16="http://schemas.microsoft.com/office/drawing/2014/main" id="{E20E3290-9DD9-436D-8987-45BB0D623ECF}"/>
+                  <a16:creationId xmlns:a16="http://schemas.microsoft.com/office/drawing/2014/main" xmlns="" id="{E20E3290-9DD9-436D-8987-45BB0D623ECF}"/>
                 </a:ext>
               </a:extLst>
             </p:cNvPr>
@@ -12605,7 +12606,7 @@
             <p:cNvPr id="10" name="직사각형 9">
               <a:extLst>
                 <a:ext uri="{FF2B5EF4-FFF2-40B4-BE49-F238E27FC236}">
-                  <a16:creationId xmlns:a16="http://schemas.microsoft.com/office/drawing/2014/main" id="{AC53831B-99E2-489B-BE41-C6A491DA1348}"/>
+                  <a16:creationId xmlns:a16="http://schemas.microsoft.com/office/drawing/2014/main" xmlns="" id="{AC53831B-99E2-489B-BE41-C6A491DA1348}"/>
                 </a:ext>
               </a:extLst>
             </p:cNvPr>
@@ -12657,7 +12658,7 @@
             <p:cNvPr id="11" name="직사각형 10">
               <a:extLst>
                 <a:ext uri="{FF2B5EF4-FFF2-40B4-BE49-F238E27FC236}">
-                  <a16:creationId xmlns:a16="http://schemas.microsoft.com/office/drawing/2014/main" id="{4D404286-3940-4EDC-B4A7-4ED3C25D1ECF}"/>
+                  <a16:creationId xmlns:a16="http://schemas.microsoft.com/office/drawing/2014/main" xmlns="" id="{4D404286-3940-4EDC-B4A7-4ED3C25D1ECF}"/>
                 </a:ext>
               </a:extLst>
             </p:cNvPr>
@@ -12714,7 +12715,7 @@
             <p:cNvPr id="12" name="직사각형 11">
               <a:extLst>
                 <a:ext uri="{FF2B5EF4-FFF2-40B4-BE49-F238E27FC236}">
-                  <a16:creationId xmlns:a16="http://schemas.microsoft.com/office/drawing/2014/main" id="{C19A91D9-6AE2-4938-B29E-332C1AA83D5B}"/>
+                  <a16:creationId xmlns:a16="http://schemas.microsoft.com/office/drawing/2014/main" xmlns="" id="{C19A91D9-6AE2-4938-B29E-332C1AA83D5B}"/>
                 </a:ext>
               </a:extLst>
             </p:cNvPr>
@@ -12766,7 +12767,7 @@
             <p:cNvPr id="13" name="직사각형 12">
               <a:extLst>
                 <a:ext uri="{FF2B5EF4-FFF2-40B4-BE49-F238E27FC236}">
-                  <a16:creationId xmlns:a16="http://schemas.microsoft.com/office/drawing/2014/main" id="{D66B30E4-D14B-441C-BC67-70CB0D2A9A90}"/>
+                  <a16:creationId xmlns:a16="http://schemas.microsoft.com/office/drawing/2014/main" xmlns="" id="{D66B30E4-D14B-441C-BC67-70CB0D2A9A90}"/>
                 </a:ext>
               </a:extLst>
             </p:cNvPr>
@@ -12818,7 +12819,7 @@
             <p:cNvPr id="14" name="직사각형 13">
               <a:extLst>
                 <a:ext uri="{FF2B5EF4-FFF2-40B4-BE49-F238E27FC236}">
-                  <a16:creationId xmlns:a16="http://schemas.microsoft.com/office/drawing/2014/main" id="{38D5E0DC-7C0F-4336-BF65-A39F1540B8D3}"/>
+                  <a16:creationId xmlns:a16="http://schemas.microsoft.com/office/drawing/2014/main" xmlns="" id="{38D5E0DC-7C0F-4336-BF65-A39F1540B8D3}"/>
                 </a:ext>
               </a:extLst>
             </p:cNvPr>
@@ -12886,7 +12887,7 @@
             <p:cNvPr id="15" name="직사각형 14">
               <a:extLst>
                 <a:ext uri="{FF2B5EF4-FFF2-40B4-BE49-F238E27FC236}">
-                  <a16:creationId xmlns:a16="http://schemas.microsoft.com/office/drawing/2014/main" id="{1E15A2DE-2F43-4C82-91DF-609661D4C7A3}"/>
+                  <a16:creationId xmlns:a16="http://schemas.microsoft.com/office/drawing/2014/main" xmlns="" id="{1E15A2DE-2F43-4C82-91DF-609661D4C7A3}"/>
                 </a:ext>
               </a:extLst>
             </p:cNvPr>
@@ -12954,7 +12955,7 @@
             <p:cNvPr id="16" name="직사각형 15">
               <a:extLst>
                 <a:ext uri="{FF2B5EF4-FFF2-40B4-BE49-F238E27FC236}">
-                  <a16:creationId xmlns:a16="http://schemas.microsoft.com/office/drawing/2014/main" id="{013E2233-C775-4044-9DAC-1436D1713311}"/>
+                  <a16:creationId xmlns:a16="http://schemas.microsoft.com/office/drawing/2014/main" xmlns="" id="{013E2233-C775-4044-9DAC-1436D1713311}"/>
                 </a:ext>
               </a:extLst>
             </p:cNvPr>
@@ -13022,7 +13023,7 @@
             <p:cNvPr id="17" name="직사각형 16">
               <a:extLst>
                 <a:ext uri="{FF2B5EF4-FFF2-40B4-BE49-F238E27FC236}">
-                  <a16:creationId xmlns:a16="http://schemas.microsoft.com/office/drawing/2014/main" id="{A901336C-BCD5-4687-8CE3-DA00DD1EBFF3}"/>
+                  <a16:creationId xmlns:a16="http://schemas.microsoft.com/office/drawing/2014/main" xmlns="" id="{A901336C-BCD5-4687-8CE3-DA00DD1EBFF3}"/>
                 </a:ext>
               </a:extLst>
             </p:cNvPr>
@@ -13074,7 +13075,7 @@
             <p:cNvPr id="18" name="직사각형 17">
               <a:extLst>
                 <a:ext uri="{FF2B5EF4-FFF2-40B4-BE49-F238E27FC236}">
-                  <a16:creationId xmlns:a16="http://schemas.microsoft.com/office/drawing/2014/main" id="{C63D6C8E-DEF2-4ADD-A622-BE40EE720045}"/>
+                  <a16:creationId xmlns:a16="http://schemas.microsoft.com/office/drawing/2014/main" xmlns="" id="{C63D6C8E-DEF2-4ADD-A622-BE40EE720045}"/>
                 </a:ext>
               </a:extLst>
             </p:cNvPr>
@@ -13126,7 +13127,7 @@
             <p:cNvPr id="19" name="직사각형 18">
               <a:extLst>
                 <a:ext uri="{FF2B5EF4-FFF2-40B4-BE49-F238E27FC236}">
-                  <a16:creationId xmlns:a16="http://schemas.microsoft.com/office/drawing/2014/main" id="{878C148B-C864-44A8-8C5B-B6BB61E5AB6D}"/>
+                  <a16:creationId xmlns:a16="http://schemas.microsoft.com/office/drawing/2014/main" xmlns="" id="{878C148B-C864-44A8-8C5B-B6BB61E5AB6D}"/>
                 </a:ext>
               </a:extLst>
             </p:cNvPr>
@@ -13256,7 +13257,7 @@
             <p:cNvPr id="24" name="직사각형 23">
               <a:extLst>
                 <a:ext uri="{FF2B5EF4-FFF2-40B4-BE49-F238E27FC236}">
-                  <a16:creationId xmlns:a16="http://schemas.microsoft.com/office/drawing/2014/main" id="{94864B1F-F667-483F-B190-9ACEBAA23C11}"/>
+                  <a16:creationId xmlns:a16="http://schemas.microsoft.com/office/drawing/2014/main" xmlns="" id="{94864B1F-F667-483F-B190-9ACEBAA23C11}"/>
                 </a:ext>
               </a:extLst>
             </p:cNvPr>
@@ -13312,7 +13313,7 @@
             <p:cNvPr id="25" name="직사각형 24">
               <a:extLst>
                 <a:ext uri="{FF2B5EF4-FFF2-40B4-BE49-F238E27FC236}">
-                  <a16:creationId xmlns:a16="http://schemas.microsoft.com/office/drawing/2014/main" id="{0814EBD4-39D9-442F-A4EE-C2B3B530FBF1}"/>
+                  <a16:creationId xmlns:a16="http://schemas.microsoft.com/office/drawing/2014/main" xmlns="" id="{0814EBD4-39D9-442F-A4EE-C2B3B530FBF1}"/>
                 </a:ext>
               </a:extLst>
             </p:cNvPr>
@@ -13353,13 +13354,14 @@
             <a:p>
               <a:pPr algn="ctr"/>
               <a:r>
-                <a:rPr lang="en-US" altLang="ko-KR" sz="1000" dirty="0"/>
+                <a:rPr lang="en-US" altLang="ko-KR" sz="1000" dirty="0" smtClean="0"/>
                 <a:t>3-1 </a:t>
               </a:r>
               <a:r>
-                <a:rPr lang="ko-KR" altLang="en-US" sz="1000" dirty="0"/>
+                <a:rPr lang="ko-KR" altLang="en-US" sz="1000" dirty="0" smtClean="0"/>
                 <a:t>팝니다</a:t>
               </a:r>
+              <a:endParaRPr lang="ko-KR" altLang="en-US" sz="1000" dirty="0"/>
             </a:p>
           </p:txBody>
         </p:sp>
@@ -13368,7 +13370,7 @@
             <p:cNvPr id="26" name="직사각형 25">
               <a:extLst>
                 <a:ext uri="{FF2B5EF4-FFF2-40B4-BE49-F238E27FC236}">
-                  <a16:creationId xmlns:a16="http://schemas.microsoft.com/office/drawing/2014/main" id="{07FF657E-46B6-4E66-B096-74FBC992713A}"/>
+                  <a16:creationId xmlns:a16="http://schemas.microsoft.com/office/drawing/2014/main" xmlns="" id="{07FF657E-46B6-4E66-B096-74FBC992713A}"/>
                 </a:ext>
               </a:extLst>
             </p:cNvPr>
@@ -13424,7 +13426,7 @@
             <p:cNvPr id="27" name="직사각형 26">
               <a:extLst>
                 <a:ext uri="{FF2B5EF4-FFF2-40B4-BE49-F238E27FC236}">
-                  <a16:creationId xmlns:a16="http://schemas.microsoft.com/office/drawing/2014/main" id="{2FF4EA96-2942-4B8B-B1AC-DA6AF7B2531F}"/>
+                  <a16:creationId xmlns:a16="http://schemas.microsoft.com/office/drawing/2014/main" xmlns="" id="{2FF4EA96-2942-4B8B-B1AC-DA6AF7B2531F}"/>
                 </a:ext>
               </a:extLst>
             </p:cNvPr>
@@ -13481,7 +13483,7 @@
             <p:cNvPr id="29" name="직사각형 28">
               <a:extLst>
                 <a:ext uri="{FF2B5EF4-FFF2-40B4-BE49-F238E27FC236}">
-                  <a16:creationId xmlns:a16="http://schemas.microsoft.com/office/drawing/2014/main" id="{0CD7660D-6ED4-4225-AA6B-048B994A61C4}"/>
+                  <a16:creationId xmlns:a16="http://schemas.microsoft.com/office/drawing/2014/main" xmlns="" id="{0CD7660D-6ED4-4225-AA6B-048B994A61C4}"/>
                 </a:ext>
               </a:extLst>
             </p:cNvPr>
@@ -13537,7 +13539,7 @@
             <p:cNvPr id="30" name="직사각형 29">
               <a:extLst>
                 <a:ext uri="{FF2B5EF4-FFF2-40B4-BE49-F238E27FC236}">
-                  <a16:creationId xmlns:a16="http://schemas.microsoft.com/office/drawing/2014/main" id="{A1FB2C8B-A003-46C2-A200-ADE9DB74584E}"/>
+                  <a16:creationId xmlns:a16="http://schemas.microsoft.com/office/drawing/2014/main" xmlns="" id="{A1FB2C8B-A003-46C2-A200-ADE9DB74584E}"/>
                 </a:ext>
               </a:extLst>
             </p:cNvPr>
@@ -13593,7 +13595,7 @@
             <p:cNvPr id="31" name="직사각형 30">
               <a:extLst>
                 <a:ext uri="{FF2B5EF4-FFF2-40B4-BE49-F238E27FC236}">
-                  <a16:creationId xmlns:a16="http://schemas.microsoft.com/office/drawing/2014/main" id="{35DB3CDC-F2D9-4412-B849-D15BDE61795B}"/>
+                  <a16:creationId xmlns:a16="http://schemas.microsoft.com/office/drawing/2014/main" xmlns="" id="{35DB3CDC-F2D9-4412-B849-D15BDE61795B}"/>
                 </a:ext>
               </a:extLst>
             </p:cNvPr>
@@ -13650,7 +13652,7 @@
           <p:cNvPr id="33" name="직사각형 32">
             <a:extLst>
               <a:ext uri="{FF2B5EF4-FFF2-40B4-BE49-F238E27FC236}">
-                <a16:creationId xmlns:a16="http://schemas.microsoft.com/office/drawing/2014/main" id="{126F6CDD-DF71-4C38-A00D-3AECD5B7CDCE}"/>
+                <a16:creationId xmlns:a16="http://schemas.microsoft.com/office/drawing/2014/main" xmlns="" id="{126F6CDD-DF71-4C38-A00D-3AECD5B7CDCE}"/>
               </a:ext>
             </a:extLst>
           </p:cNvPr>
@@ -13808,7 +13810,7 @@
           <p:cNvPr id="2" name="직사각형 1">
             <a:extLst>
               <a:ext uri="{FF2B5EF4-FFF2-40B4-BE49-F238E27FC236}">
-                <a16:creationId xmlns:a16="http://schemas.microsoft.com/office/drawing/2014/main" id="{24356323-4836-4F0A-93C0-2B39CCC5019C}"/>
+                <a16:creationId xmlns:a16="http://schemas.microsoft.com/office/drawing/2014/main" xmlns="" id="{24356323-4836-4F0A-93C0-2B39CCC5019C}"/>
               </a:ext>
             </a:extLst>
           </p:cNvPr>
@@ -13863,7 +13865,7 @@
           <p:cNvPr id="3" name="직사각형 2">
             <a:extLst>
               <a:ext uri="{FF2B5EF4-FFF2-40B4-BE49-F238E27FC236}">
-                <a16:creationId xmlns:a16="http://schemas.microsoft.com/office/drawing/2014/main" id="{9A06147B-0CE9-4710-9679-3FE6F8994060}"/>
+                <a16:creationId xmlns:a16="http://schemas.microsoft.com/office/drawing/2014/main" xmlns="" id="{9A06147B-0CE9-4710-9679-3FE6F8994060}"/>
               </a:ext>
             </a:extLst>
           </p:cNvPr>
@@ -14007,7 +14009,7 @@
           <p:cNvPr id="4" name="직사각형 3">
             <a:extLst>
               <a:ext uri="{FF2B5EF4-FFF2-40B4-BE49-F238E27FC236}">
-                <a16:creationId xmlns:a16="http://schemas.microsoft.com/office/drawing/2014/main" id="{462FD3FC-0867-44B0-9A42-932E45265104}"/>
+                <a16:creationId xmlns:a16="http://schemas.microsoft.com/office/drawing/2014/main" xmlns="" id="{462FD3FC-0867-44B0-9A42-932E45265104}"/>
               </a:ext>
             </a:extLst>
           </p:cNvPr>
@@ -14067,7 +14069,7 @@
           <p:cNvPr id="5" name="직사각형 4">
             <a:extLst>
               <a:ext uri="{FF2B5EF4-FFF2-40B4-BE49-F238E27FC236}">
-                <a16:creationId xmlns:a16="http://schemas.microsoft.com/office/drawing/2014/main" id="{46D23D10-CB31-4F81-9975-9F267C2DECFF}"/>
+                <a16:creationId xmlns:a16="http://schemas.microsoft.com/office/drawing/2014/main" xmlns="" id="{46D23D10-CB31-4F81-9975-9F267C2DECFF}"/>
               </a:ext>
             </a:extLst>
           </p:cNvPr>
@@ -14140,7 +14142,7 @@
           <p:cNvPr id="6" name="직사각형 5">
             <a:extLst>
               <a:ext uri="{FF2B5EF4-FFF2-40B4-BE49-F238E27FC236}">
-                <a16:creationId xmlns:a16="http://schemas.microsoft.com/office/drawing/2014/main" id="{8BE6E4FE-0474-4DFE-AC53-5B7EE9E4B053}"/>
+                <a16:creationId xmlns:a16="http://schemas.microsoft.com/office/drawing/2014/main" xmlns="" id="{8BE6E4FE-0474-4DFE-AC53-5B7EE9E4B053}"/>
               </a:ext>
             </a:extLst>
           </p:cNvPr>
@@ -14197,7 +14199,7 @@
           <p:cNvPr id="7" name="직사각형 6">
             <a:extLst>
               <a:ext uri="{FF2B5EF4-FFF2-40B4-BE49-F238E27FC236}">
-                <a16:creationId xmlns:a16="http://schemas.microsoft.com/office/drawing/2014/main" id="{E4DB211E-BE70-476A-A0D4-3995DAD3F38D}"/>
+                <a16:creationId xmlns:a16="http://schemas.microsoft.com/office/drawing/2014/main" xmlns="" id="{E4DB211E-BE70-476A-A0D4-3995DAD3F38D}"/>
               </a:ext>
             </a:extLst>
           </p:cNvPr>
@@ -14254,7 +14256,7 @@
           <p:cNvPr id="8" name="직사각형 7">
             <a:extLst>
               <a:ext uri="{FF2B5EF4-FFF2-40B4-BE49-F238E27FC236}">
-                <a16:creationId xmlns:a16="http://schemas.microsoft.com/office/drawing/2014/main" id="{6E17CCE4-5AD3-4E8E-8FB9-015F4E798902}"/>
+                <a16:creationId xmlns:a16="http://schemas.microsoft.com/office/drawing/2014/main" xmlns="" id="{6E17CCE4-5AD3-4E8E-8FB9-015F4E798902}"/>
               </a:ext>
             </a:extLst>
           </p:cNvPr>
@@ -14376,7 +14378,7 @@
           <p:cNvPr id="9" name="직사각형 8">
             <a:extLst>
               <a:ext uri="{FF2B5EF4-FFF2-40B4-BE49-F238E27FC236}">
-                <a16:creationId xmlns:a16="http://schemas.microsoft.com/office/drawing/2014/main" id="{FCF6A255-2759-495C-8294-C1B8FAC4667D}"/>
+                <a16:creationId xmlns:a16="http://schemas.microsoft.com/office/drawing/2014/main" xmlns="" id="{FCF6A255-2759-495C-8294-C1B8FAC4667D}"/>
               </a:ext>
             </a:extLst>
           </p:cNvPr>
@@ -14445,7 +14447,7 @@
           <p:cNvPr id="10" name="직사각형 9">
             <a:extLst>
               <a:ext uri="{FF2B5EF4-FFF2-40B4-BE49-F238E27FC236}">
-                <a16:creationId xmlns:a16="http://schemas.microsoft.com/office/drawing/2014/main" id="{791EFB3C-7765-41C5-9A7A-0186A19127AA}"/>
+                <a16:creationId xmlns:a16="http://schemas.microsoft.com/office/drawing/2014/main" xmlns="" id="{791EFB3C-7765-41C5-9A7A-0186A19127AA}"/>
               </a:ext>
             </a:extLst>
           </p:cNvPr>
@@ -14544,7 +14546,7 @@
           <p:cNvPr id="2" name="직사각형 1">
             <a:extLst>
               <a:ext uri="{FF2B5EF4-FFF2-40B4-BE49-F238E27FC236}">
-                <a16:creationId xmlns:a16="http://schemas.microsoft.com/office/drawing/2014/main" id="{AEBFC84F-0D3B-4063-BD27-2CA73CFB1402}"/>
+                <a16:creationId xmlns:a16="http://schemas.microsoft.com/office/drawing/2014/main" xmlns="" id="{AEBFC84F-0D3B-4063-BD27-2CA73CFB1402}"/>
               </a:ext>
             </a:extLst>
           </p:cNvPr>
@@ -14607,7 +14609,7 @@
           <p:cNvPr id="3" name="직사각형 2">
             <a:extLst>
               <a:ext uri="{FF2B5EF4-FFF2-40B4-BE49-F238E27FC236}">
-                <a16:creationId xmlns:a16="http://schemas.microsoft.com/office/drawing/2014/main" id="{8293170C-2729-438F-9B9E-007503E2A95A}"/>
+                <a16:creationId xmlns:a16="http://schemas.microsoft.com/office/drawing/2014/main" xmlns="" id="{8293170C-2729-438F-9B9E-007503E2A95A}"/>
               </a:ext>
             </a:extLst>
           </p:cNvPr>
@@ -14735,7 +14737,7 @@
           <p:cNvPr id="4" name="직사각형 3">
             <a:extLst>
               <a:ext uri="{FF2B5EF4-FFF2-40B4-BE49-F238E27FC236}">
-                <a16:creationId xmlns:a16="http://schemas.microsoft.com/office/drawing/2014/main" id="{CCA56186-0CCF-4B59-AAF2-465E5408BCF3}"/>
+                <a16:creationId xmlns:a16="http://schemas.microsoft.com/office/drawing/2014/main" xmlns="" id="{CCA56186-0CCF-4B59-AAF2-465E5408BCF3}"/>
               </a:ext>
             </a:extLst>
           </p:cNvPr>
@@ -14804,7 +14806,7 @@
           <p:cNvPr id="5" name="직사각형 4">
             <a:extLst>
               <a:ext uri="{FF2B5EF4-FFF2-40B4-BE49-F238E27FC236}">
-                <a16:creationId xmlns:a16="http://schemas.microsoft.com/office/drawing/2014/main" id="{3EB86239-39C5-4E28-B4E2-902B55AFBA95}"/>
+                <a16:creationId xmlns:a16="http://schemas.microsoft.com/office/drawing/2014/main" xmlns="" id="{3EB86239-39C5-4E28-B4E2-902B55AFBA95}"/>
               </a:ext>
             </a:extLst>
           </p:cNvPr>
@@ -14873,7 +14875,7 @@
           <p:cNvPr id="6" name="직사각형 5">
             <a:extLst>
               <a:ext uri="{FF2B5EF4-FFF2-40B4-BE49-F238E27FC236}">
-                <a16:creationId xmlns:a16="http://schemas.microsoft.com/office/drawing/2014/main" id="{4B91A224-ACAF-4691-ABA3-09B98CED404E}"/>
+                <a16:creationId xmlns:a16="http://schemas.microsoft.com/office/drawing/2014/main" xmlns="" id="{4B91A224-ACAF-4691-ABA3-09B98CED404E}"/>
               </a:ext>
             </a:extLst>
           </p:cNvPr>
@@ -14942,7 +14944,7 @@
           <p:cNvPr id="7" name="직사각형 6">
             <a:extLst>
               <a:ext uri="{FF2B5EF4-FFF2-40B4-BE49-F238E27FC236}">
-                <a16:creationId xmlns:a16="http://schemas.microsoft.com/office/drawing/2014/main" id="{F502D788-88A9-4681-A886-61AF5B48D5B9}"/>
+                <a16:creationId xmlns:a16="http://schemas.microsoft.com/office/drawing/2014/main" xmlns="" id="{F502D788-88A9-4681-A886-61AF5B48D5B9}"/>
               </a:ext>
             </a:extLst>
           </p:cNvPr>
@@ -15011,7 +15013,7 @@
           <p:cNvPr id="8" name="직사각형 7">
             <a:extLst>
               <a:ext uri="{FF2B5EF4-FFF2-40B4-BE49-F238E27FC236}">
-                <a16:creationId xmlns:a16="http://schemas.microsoft.com/office/drawing/2014/main" id="{D0074AB1-B8E0-4F4A-AAD2-23E64B0047A0}"/>
+                <a16:creationId xmlns:a16="http://schemas.microsoft.com/office/drawing/2014/main" xmlns="" id="{D0074AB1-B8E0-4F4A-AAD2-23E64B0047A0}"/>
               </a:ext>
             </a:extLst>
           </p:cNvPr>
@@ -15085,7 +15087,7 @@
           <p:cNvPr id="9" name="직사각형 8">
             <a:extLst>
               <a:ext uri="{FF2B5EF4-FFF2-40B4-BE49-F238E27FC236}">
-                <a16:creationId xmlns:a16="http://schemas.microsoft.com/office/drawing/2014/main" id="{70BB8F04-72F5-432B-A95C-2EDE432841FD}"/>
+                <a16:creationId xmlns:a16="http://schemas.microsoft.com/office/drawing/2014/main" xmlns="" id="{70BB8F04-72F5-432B-A95C-2EDE432841FD}"/>
               </a:ext>
             </a:extLst>
           </p:cNvPr>
@@ -15162,7 +15164,7 @@
           <p:cNvPr id="10" name="직사각형 9">
             <a:extLst>
               <a:ext uri="{FF2B5EF4-FFF2-40B4-BE49-F238E27FC236}">
-                <a16:creationId xmlns:a16="http://schemas.microsoft.com/office/drawing/2014/main" id="{9FEBDE96-3388-45DF-9222-83F852ACFE36}"/>
+                <a16:creationId xmlns:a16="http://schemas.microsoft.com/office/drawing/2014/main" xmlns="" id="{9FEBDE96-3388-45DF-9222-83F852ACFE36}"/>
               </a:ext>
             </a:extLst>
           </p:cNvPr>
@@ -15231,7 +15233,7 @@
           <p:cNvPr id="11" name="직사각형 10">
             <a:extLst>
               <a:ext uri="{FF2B5EF4-FFF2-40B4-BE49-F238E27FC236}">
-                <a16:creationId xmlns:a16="http://schemas.microsoft.com/office/drawing/2014/main" id="{CF040BC1-2106-4F8E-8BAB-F5719B6DF5C8}"/>
+                <a16:creationId xmlns:a16="http://schemas.microsoft.com/office/drawing/2014/main" xmlns="" id="{CF040BC1-2106-4F8E-8BAB-F5719B6DF5C8}"/>
               </a:ext>
             </a:extLst>
           </p:cNvPr>
@@ -15283,7 +15285,7 @@
           <p:cNvPr id="12" name="TextBox 11">
             <a:extLst>
               <a:ext uri="{FF2B5EF4-FFF2-40B4-BE49-F238E27FC236}">
-                <a16:creationId xmlns:a16="http://schemas.microsoft.com/office/drawing/2014/main" id="{451A1278-3B84-4B0C-A971-79A6C1667A0D}"/>
+                <a16:creationId xmlns:a16="http://schemas.microsoft.com/office/drawing/2014/main" xmlns="" id="{451A1278-3B84-4B0C-A971-79A6C1667A0D}"/>
               </a:ext>
             </a:extLst>
           </p:cNvPr>
@@ -15322,7 +15324,7 @@
           <p:cNvPr id="13" name="TextBox 12">
             <a:extLst>
               <a:ext uri="{FF2B5EF4-FFF2-40B4-BE49-F238E27FC236}">
-                <a16:creationId xmlns:a16="http://schemas.microsoft.com/office/drawing/2014/main" id="{AC7BBFB0-B9C1-4302-BA8E-E890A07CD835}"/>
+                <a16:creationId xmlns:a16="http://schemas.microsoft.com/office/drawing/2014/main" xmlns="" id="{AC7BBFB0-B9C1-4302-BA8E-E890A07CD835}"/>
               </a:ext>
             </a:extLst>
           </p:cNvPr>
@@ -15357,7 +15359,7 @@
           <p:cNvPr id="14" name="TextBox 13">
             <a:extLst>
               <a:ext uri="{FF2B5EF4-FFF2-40B4-BE49-F238E27FC236}">
-                <a16:creationId xmlns:a16="http://schemas.microsoft.com/office/drawing/2014/main" id="{D394EFA0-2A25-41D1-8AB1-F633EFE2C219}"/>
+                <a16:creationId xmlns:a16="http://schemas.microsoft.com/office/drawing/2014/main" xmlns="" id="{D394EFA0-2A25-41D1-8AB1-F633EFE2C219}"/>
               </a:ext>
             </a:extLst>
           </p:cNvPr>
@@ -15392,7 +15394,7 @@
           <p:cNvPr id="15" name="TextBox 14">
             <a:extLst>
               <a:ext uri="{FF2B5EF4-FFF2-40B4-BE49-F238E27FC236}">
-                <a16:creationId xmlns:a16="http://schemas.microsoft.com/office/drawing/2014/main" id="{FBEAF388-96D7-4118-AA4A-8354A2B46688}"/>
+                <a16:creationId xmlns:a16="http://schemas.microsoft.com/office/drawing/2014/main" xmlns="" id="{FBEAF388-96D7-4118-AA4A-8354A2B46688}"/>
               </a:ext>
             </a:extLst>
           </p:cNvPr>
@@ -15431,7 +15433,7 @@
           <p:cNvPr id="16" name="TextBox 15">
             <a:extLst>
               <a:ext uri="{FF2B5EF4-FFF2-40B4-BE49-F238E27FC236}">
-                <a16:creationId xmlns:a16="http://schemas.microsoft.com/office/drawing/2014/main" id="{39B7C856-6427-41D8-8FF1-0767BAF9183E}"/>
+                <a16:creationId xmlns:a16="http://schemas.microsoft.com/office/drawing/2014/main" xmlns="" id="{39B7C856-6427-41D8-8FF1-0767BAF9183E}"/>
               </a:ext>
             </a:extLst>
           </p:cNvPr>
@@ -15470,7 +15472,7 @@
           <p:cNvPr id="17" name="TextBox 16">
             <a:extLst>
               <a:ext uri="{FF2B5EF4-FFF2-40B4-BE49-F238E27FC236}">
-                <a16:creationId xmlns:a16="http://schemas.microsoft.com/office/drawing/2014/main" id="{8893143D-DDFA-4C33-929A-7E70D72E4084}"/>
+                <a16:creationId xmlns:a16="http://schemas.microsoft.com/office/drawing/2014/main" xmlns="" id="{8893143D-DDFA-4C33-929A-7E70D72E4084}"/>
               </a:ext>
             </a:extLst>
           </p:cNvPr>
@@ -15505,7 +15507,7 @@
           <p:cNvPr id="18" name="직사각형 17">
             <a:extLst>
               <a:ext uri="{FF2B5EF4-FFF2-40B4-BE49-F238E27FC236}">
-                <a16:creationId xmlns:a16="http://schemas.microsoft.com/office/drawing/2014/main" id="{4C357D44-1611-4082-BA93-B83AAE3D697F}"/>
+                <a16:creationId xmlns:a16="http://schemas.microsoft.com/office/drawing/2014/main" xmlns="" id="{4C357D44-1611-4082-BA93-B83AAE3D697F}"/>
               </a:ext>
             </a:extLst>
           </p:cNvPr>
@@ -15591,7 +15593,7 @@
           <p:cNvPr id="2" name="직사각형 1">
             <a:extLst>
               <a:ext uri="{FF2B5EF4-FFF2-40B4-BE49-F238E27FC236}">
-                <a16:creationId xmlns:a16="http://schemas.microsoft.com/office/drawing/2014/main" id="{DD441CF9-8221-4CAB-831E-250FBA9FF33C}"/>
+                <a16:creationId xmlns:a16="http://schemas.microsoft.com/office/drawing/2014/main" xmlns="" id="{DD441CF9-8221-4CAB-831E-250FBA9FF33C}"/>
               </a:ext>
             </a:extLst>
           </p:cNvPr>
@@ -15646,7 +15648,7 @@
           <p:cNvPr id="3" name="직사각형 2">
             <a:extLst>
               <a:ext uri="{FF2B5EF4-FFF2-40B4-BE49-F238E27FC236}">
-                <a16:creationId xmlns:a16="http://schemas.microsoft.com/office/drawing/2014/main" id="{3ECFD580-5B85-4FF2-BB9E-FC80806E0961}"/>
+                <a16:creationId xmlns:a16="http://schemas.microsoft.com/office/drawing/2014/main" xmlns="" id="{3ECFD580-5B85-4FF2-BB9E-FC80806E0961}"/>
               </a:ext>
             </a:extLst>
           </p:cNvPr>
@@ -15774,7 +15776,7 @@
           <p:cNvPr id="4" name="직사각형 3">
             <a:extLst>
               <a:ext uri="{FF2B5EF4-FFF2-40B4-BE49-F238E27FC236}">
-                <a16:creationId xmlns:a16="http://schemas.microsoft.com/office/drawing/2014/main" id="{F0DFAAB8-2023-40F0-8D79-ED1AE41AB8C7}"/>
+                <a16:creationId xmlns:a16="http://schemas.microsoft.com/office/drawing/2014/main" xmlns="" id="{F0DFAAB8-2023-40F0-8D79-ED1AE41AB8C7}"/>
               </a:ext>
             </a:extLst>
           </p:cNvPr>
@@ -15843,7 +15845,7 @@
           <p:cNvPr id="5" name="직사각형 4">
             <a:extLst>
               <a:ext uri="{FF2B5EF4-FFF2-40B4-BE49-F238E27FC236}">
-                <a16:creationId xmlns:a16="http://schemas.microsoft.com/office/drawing/2014/main" id="{FD483D2D-716D-4BA9-81AE-654949E54FEF}"/>
+                <a16:creationId xmlns:a16="http://schemas.microsoft.com/office/drawing/2014/main" xmlns="" id="{FD483D2D-716D-4BA9-81AE-654949E54FEF}"/>
               </a:ext>
             </a:extLst>
           </p:cNvPr>
@@ -15912,7 +15914,7 @@
           <p:cNvPr id="6" name="직사각형 5">
             <a:extLst>
               <a:ext uri="{FF2B5EF4-FFF2-40B4-BE49-F238E27FC236}">
-                <a16:creationId xmlns:a16="http://schemas.microsoft.com/office/drawing/2014/main" id="{BAF8D4EF-71C3-4F81-A3A1-B9D24CC64161}"/>
+                <a16:creationId xmlns:a16="http://schemas.microsoft.com/office/drawing/2014/main" xmlns="" id="{BAF8D4EF-71C3-4F81-A3A1-B9D24CC64161}"/>
               </a:ext>
             </a:extLst>
           </p:cNvPr>
@@ -15981,7 +15983,7 @@
           <p:cNvPr id="8" name="TextBox 7">
             <a:extLst>
               <a:ext uri="{FF2B5EF4-FFF2-40B4-BE49-F238E27FC236}">
-                <a16:creationId xmlns:a16="http://schemas.microsoft.com/office/drawing/2014/main" id="{8B203125-0903-4B99-918E-4B079F8CED7B}"/>
+                <a16:creationId xmlns:a16="http://schemas.microsoft.com/office/drawing/2014/main" xmlns="" id="{8B203125-0903-4B99-918E-4B079F8CED7B}"/>
               </a:ext>
             </a:extLst>
           </p:cNvPr>
@@ -16020,7 +16022,7 @@
           <p:cNvPr id="9" name="직사각형 8">
             <a:extLst>
               <a:ext uri="{FF2B5EF4-FFF2-40B4-BE49-F238E27FC236}">
-                <a16:creationId xmlns:a16="http://schemas.microsoft.com/office/drawing/2014/main" id="{3CD1A306-06BC-431B-BCE5-CD285B824418}"/>
+                <a16:creationId xmlns:a16="http://schemas.microsoft.com/office/drawing/2014/main" xmlns="" id="{3CD1A306-06BC-431B-BCE5-CD285B824418}"/>
               </a:ext>
             </a:extLst>
           </p:cNvPr>
@@ -16089,7 +16091,7 @@
           <p:cNvPr id="10" name="TextBox 9">
             <a:extLst>
               <a:ext uri="{FF2B5EF4-FFF2-40B4-BE49-F238E27FC236}">
-                <a16:creationId xmlns:a16="http://schemas.microsoft.com/office/drawing/2014/main" id="{060BBF56-E286-40EF-8C53-AE3ED3E1A6C5}"/>
+                <a16:creationId xmlns:a16="http://schemas.microsoft.com/office/drawing/2014/main" xmlns="" id="{060BBF56-E286-40EF-8C53-AE3ED3E1A6C5}"/>
               </a:ext>
             </a:extLst>
           </p:cNvPr>
@@ -16154,7 +16156,7 @@
           <p:cNvPr id="2" name="직사각형 1">
             <a:extLst>
               <a:ext uri="{FF2B5EF4-FFF2-40B4-BE49-F238E27FC236}">
-                <a16:creationId xmlns:a16="http://schemas.microsoft.com/office/drawing/2014/main" id="{F1E53ADC-496C-4985-B81D-C18F0EAEEDE3}"/>
+                <a16:creationId xmlns:a16="http://schemas.microsoft.com/office/drawing/2014/main" xmlns="" id="{F1E53ADC-496C-4985-B81D-C18F0EAEEDE3}"/>
               </a:ext>
             </a:extLst>
           </p:cNvPr>
@@ -16253,7 +16255,7 @@
           <p:cNvPr id="3" name="직사각형 2">
             <a:extLst>
               <a:ext uri="{FF2B5EF4-FFF2-40B4-BE49-F238E27FC236}">
-                <a16:creationId xmlns:a16="http://schemas.microsoft.com/office/drawing/2014/main" id="{C3400253-03B2-434F-AB7F-B7DA5079D627}"/>
+                <a16:creationId xmlns:a16="http://schemas.microsoft.com/office/drawing/2014/main" xmlns="" id="{C3400253-03B2-434F-AB7F-B7DA5079D627}"/>
               </a:ext>
             </a:extLst>
           </p:cNvPr>
@@ -16308,7 +16310,7 @@
           <p:cNvPr id="4" name="직사각형 3">
             <a:extLst>
               <a:ext uri="{FF2B5EF4-FFF2-40B4-BE49-F238E27FC236}">
-                <a16:creationId xmlns:a16="http://schemas.microsoft.com/office/drawing/2014/main" id="{FB2BAA07-2CF0-4FEE-9C9D-6EFA3D651C57}"/>
+                <a16:creationId xmlns:a16="http://schemas.microsoft.com/office/drawing/2014/main" xmlns="" id="{FB2BAA07-2CF0-4FEE-9C9D-6EFA3D651C57}"/>
               </a:ext>
             </a:extLst>
           </p:cNvPr>
@@ -16361,7 +16363,7 @@
           <p:cNvPr id="5" name="직사각형 4">
             <a:extLst>
               <a:ext uri="{FF2B5EF4-FFF2-40B4-BE49-F238E27FC236}">
-                <a16:creationId xmlns:a16="http://schemas.microsoft.com/office/drawing/2014/main" id="{86124FF6-F05B-49C1-A308-4699416EDF82}"/>
+                <a16:creationId xmlns:a16="http://schemas.microsoft.com/office/drawing/2014/main" xmlns="" id="{86124FF6-F05B-49C1-A308-4699416EDF82}"/>
               </a:ext>
             </a:extLst>
           </p:cNvPr>
@@ -16419,7 +16421,7 @@
           <p:cNvPr id="8" name="직사각형 7">
             <a:extLst>
               <a:ext uri="{FF2B5EF4-FFF2-40B4-BE49-F238E27FC236}">
-                <a16:creationId xmlns:a16="http://schemas.microsoft.com/office/drawing/2014/main" id="{4AF66005-B236-4A5A-9C6A-90AC6D0E70F3}"/>
+                <a16:creationId xmlns:a16="http://schemas.microsoft.com/office/drawing/2014/main" xmlns="" id="{4AF66005-B236-4A5A-9C6A-90AC6D0E70F3}"/>
               </a:ext>
             </a:extLst>
           </p:cNvPr>
@@ -16525,7 +16527,7 @@
           <p:cNvPr id="3" name="직사각형 2">
             <a:extLst>
               <a:ext uri="{FF2B5EF4-FFF2-40B4-BE49-F238E27FC236}">
-                <a16:creationId xmlns:a16="http://schemas.microsoft.com/office/drawing/2014/main" id="{C3400253-03B2-434F-AB7F-B7DA5079D627}"/>
+                <a16:creationId xmlns:a16="http://schemas.microsoft.com/office/drawing/2014/main" xmlns="" id="{C3400253-03B2-434F-AB7F-B7DA5079D627}"/>
               </a:ext>
             </a:extLst>
           </p:cNvPr>
@@ -16580,7 +16582,7 @@
           <p:cNvPr id="4" name="직사각형 3">
             <a:extLst>
               <a:ext uri="{FF2B5EF4-FFF2-40B4-BE49-F238E27FC236}">
-                <a16:creationId xmlns:a16="http://schemas.microsoft.com/office/drawing/2014/main" id="{FB2BAA07-2CF0-4FEE-9C9D-6EFA3D651C57}"/>
+                <a16:creationId xmlns:a16="http://schemas.microsoft.com/office/drawing/2014/main" xmlns="" id="{FB2BAA07-2CF0-4FEE-9C9D-6EFA3D651C57}"/>
               </a:ext>
             </a:extLst>
           </p:cNvPr>
@@ -16633,7 +16635,7 @@
           <p:cNvPr id="5" name="직사각형 4">
             <a:extLst>
               <a:ext uri="{FF2B5EF4-FFF2-40B4-BE49-F238E27FC236}">
-                <a16:creationId xmlns:a16="http://schemas.microsoft.com/office/drawing/2014/main" id="{86124FF6-F05B-49C1-A308-4699416EDF82}"/>
+                <a16:creationId xmlns:a16="http://schemas.microsoft.com/office/drawing/2014/main" xmlns="" id="{86124FF6-F05B-49C1-A308-4699416EDF82}"/>
               </a:ext>
             </a:extLst>
           </p:cNvPr>
@@ -16691,7 +16693,7 @@
           <p:cNvPr id="8" name="직사각형 7">
             <a:extLst>
               <a:ext uri="{FF2B5EF4-FFF2-40B4-BE49-F238E27FC236}">
-                <a16:creationId xmlns:a16="http://schemas.microsoft.com/office/drawing/2014/main" id="{01D5D1AE-E4E3-425A-AF23-C54801E7D089}"/>
+                <a16:creationId xmlns:a16="http://schemas.microsoft.com/office/drawing/2014/main" xmlns="" id="{01D5D1AE-E4E3-425A-AF23-C54801E7D089}"/>
               </a:ext>
             </a:extLst>
           </p:cNvPr>
@@ -16767,7 +16769,7 @@
           <p:cNvPr id="9" name="직사각형 8">
             <a:extLst>
               <a:ext uri="{FF2B5EF4-FFF2-40B4-BE49-F238E27FC236}">
-                <a16:creationId xmlns:a16="http://schemas.microsoft.com/office/drawing/2014/main" id="{CD1EDB7E-2DEF-401D-A8C6-47EB11E8C9AF}"/>
+                <a16:creationId xmlns:a16="http://schemas.microsoft.com/office/drawing/2014/main" xmlns="" id="{CD1EDB7E-2DEF-401D-A8C6-47EB11E8C9AF}"/>
               </a:ext>
             </a:extLst>
           </p:cNvPr>
@@ -16917,7 +16919,7 @@
     </a:clrScheme>
     <a:fontScheme name="Office">
       <a:majorFont>
-        <a:latin typeface="맑은 고딕" panose="020F0302020204030204"/>
+        <a:latin typeface="맑은 고딕"/>
         <a:ea typeface=""/>
         <a:cs typeface=""/>
         <a:font script="Jpan" typeface="游ゴシック Light"/>
@@ -16969,7 +16971,7 @@
         <a:font script="Tfng" typeface="Ebrima"/>
       </a:majorFont>
       <a:minorFont>
-        <a:latin typeface="맑은 고딕" panose="020F0502020204030204"/>
+        <a:latin typeface="맑은 고딕"/>
         <a:ea typeface=""/>
         <a:cs typeface=""/>
         <a:font script="Jpan" typeface="游ゴシック"/>
@@ -17163,7 +17165,7 @@
   <a:extraClrSchemeLst/>
   <a:extLst>
     <a:ext uri="{05A4C25C-085E-4340-85A3-A5531E510DB2}">
-      <thm15:themeFamily xmlns:thm15="http://schemas.microsoft.com/office/thememl/2012/main" name="Office Theme" id="{62F939B6-93AF-4DB8-9C6B-D6C7DFDC589F}" vid="{4A3C46E8-61CC-4603-A589-7422A47A8E4A}"/>
+      <thm15:themeFamily xmlns:thm15="http://schemas.microsoft.com/office/thememl/2012/main" xmlns="" name="Office Theme" id="{62F939B6-93AF-4DB8-9C6B-D6C7DFDC589F}" vid="{4A3C46E8-61CC-4603-A589-7422A47A8E4A}"/>
     </a:ext>
   </a:extLst>
 </a:theme>
